--- a/doc/CS1/Task09/Präsentation_CS1_Task9+10_blue.pptx
+++ b/doc/CS1/Task09/Präsentation_CS1_Task9+10_blue.pptx
@@ -5,7 +5,7 @@
     <p:sldMasterId id="2147483669" r:id="rId4"/>
   </p:sldMasterIdLst>
   <p:notesMasterIdLst>
-    <p:notesMasterId r:id="rId13"/>
+    <p:notesMasterId r:id="rId15"/>
   </p:notesMasterIdLst>
   <p:sldIdLst>
     <p:sldId id="256" r:id="rId5"/>
@@ -15,7 +15,9 @@
     <p:sldId id="263" r:id="rId9"/>
     <p:sldId id="265" r:id="rId10"/>
     <p:sldId id="264" r:id="rId11"/>
-    <p:sldId id="259" r:id="rId12"/>
+    <p:sldId id="266" r:id="rId12"/>
+    <p:sldId id="267" r:id="rId13"/>
+    <p:sldId id="259" r:id="rId14"/>
   </p:sldIdLst>
   <p:sldSz cx="12207875" cy="6858000"/>
   <p:notesSz cx="6797675" cy="9872663"/>
@@ -423,7 +425,7 @@
               <a:pPr>
                 <a:defRPr/>
               </a:pPr>
-              <a:t>‹Nr.›</a:t>
+              <a:t>‹#›</a:t>
             </a:fld>
             <a:endParaRPr lang="de-CH"/>
           </a:p>
@@ -787,14 +789,14 @@
           </a:ln>
           <a:extLst>
             <a:ext uri="{909E8E84-426E-40dd-AFC4-6F175D3DCCD1}">
-              <a14:hiddenFill xmlns:a14="http://schemas.microsoft.com/office/drawing/2010/main" xmlns="">
+              <a14:hiddenFill xmlns="" xmlns:a14="http://schemas.microsoft.com/office/drawing/2010/main">
                 <a:solidFill>
                   <a:srgbClr val="FFFFFF"/>
                 </a:solidFill>
               </a14:hiddenFill>
             </a:ext>
             <a:ext uri="{91240B29-F687-4f45-9708-019B960494DF}">
-              <a14:hiddenLine xmlns:a14="http://schemas.microsoft.com/office/drawing/2010/main" xmlns="" w="9525">
+              <a14:hiddenLine xmlns="" xmlns:a14="http://schemas.microsoft.com/office/drawing/2010/main" w="9525">
                 <a:solidFill>
                   <a:srgbClr val="000000"/>
                 </a:solidFill>
@@ -1914,7 +1916,7 @@
               <a:pPr>
                 <a:defRPr/>
               </a:pPr>
-              <a:t>‹Nr.›</a:t>
+              <a:t>‹#›</a:t>
             </a:fld>
             <a:endParaRPr lang="de-CH" dirty="0"/>
           </a:p>
@@ -1977,7 +1979,7 @@
               <a:pPr>
                 <a:defRPr/>
               </a:pPr>
-              <a:t>‹Nr.›</a:t>
+              <a:t>‹#›</a:t>
             </a:fld>
             <a:endParaRPr lang="de-CH" dirty="0"/>
           </a:p>
@@ -2283,14 +2285,14 @@
           </a:ln>
           <a:extLst>
             <a:ext uri="{909E8E84-426E-40dd-AFC4-6F175D3DCCD1}">
-              <a14:hiddenFill xmlns:a14="http://schemas.microsoft.com/office/drawing/2010/main" xmlns="">
+              <a14:hiddenFill xmlns="" xmlns:a14="http://schemas.microsoft.com/office/drawing/2010/main">
                 <a:solidFill>
                   <a:srgbClr val="FFFFFF"/>
                 </a:solidFill>
               </a14:hiddenFill>
             </a:ext>
             <a:ext uri="{91240B29-F687-4f45-9708-019B960494DF}">
-              <a14:hiddenLine xmlns:a14="http://schemas.microsoft.com/office/drawing/2010/main" xmlns="" w="9525">
+              <a14:hiddenLine xmlns="" xmlns:a14="http://schemas.microsoft.com/office/drawing/2010/main" w="9525">
                 <a:solidFill>
                   <a:srgbClr val="000000"/>
                 </a:solidFill>
@@ -3032,7 +3034,7 @@
               <a:pPr>
                 <a:defRPr/>
               </a:pPr>
-              <a:t>‹Nr.›</a:t>
+              <a:t>‹#›</a:t>
             </a:fld>
             <a:endParaRPr lang="de-CH" dirty="0"/>
           </a:p>
@@ -3431,7 +3433,7 @@
               <a:pPr>
                 <a:defRPr/>
               </a:pPr>
-              <a:t>‹Nr.›</a:t>
+              <a:t>‹#›</a:t>
             </a:fld>
             <a:endParaRPr lang="de-CH" dirty="0"/>
           </a:p>
@@ -3668,7 +3670,7 @@
               <a:pPr>
                 <a:defRPr/>
               </a:pPr>
-              <a:t>‹Nr.›</a:t>
+              <a:t>‹#›</a:t>
             </a:fld>
             <a:endParaRPr lang="de-CH" dirty="0"/>
           </a:p>
@@ -3979,7 +3981,7 @@
               <a:pPr>
                 <a:defRPr/>
               </a:pPr>
-              <a:t>‹Nr.›</a:t>
+              <a:t>‹#›</a:t>
             </a:fld>
             <a:endParaRPr lang="de-CH" dirty="0"/>
           </a:p>
@@ -4512,7 +4514,7 @@
               <a:pPr>
                 <a:defRPr/>
               </a:pPr>
-              <a:t>‹Nr.›</a:t>
+              <a:t>‹#›</a:t>
             </a:fld>
             <a:endParaRPr lang="de-CH" dirty="0"/>
           </a:p>
@@ -5045,7 +5047,7 @@
               <a:pPr>
                 <a:defRPr/>
               </a:pPr>
-              <a:t>‹Nr.›</a:t>
+              <a:t>‹#›</a:t>
             </a:fld>
             <a:endParaRPr lang="de-CH" dirty="0"/>
           </a:p>
@@ -5770,7 +5772,7 @@
               <a:pPr>
                 <a:defRPr/>
               </a:pPr>
-              <a:t>‹Nr.›</a:t>
+              <a:t>‹#›</a:t>
             </a:fld>
             <a:endParaRPr lang="de-CH" dirty="0"/>
           </a:p>
@@ -5836,14 +5838,14 @@
           </a:ln>
           <a:extLst>
             <a:ext uri="{909E8E84-426E-40dd-AFC4-6F175D3DCCD1}">
-              <a14:hiddenFill xmlns:a14="http://schemas.microsoft.com/office/drawing/2010/main" xmlns="">
+              <a14:hiddenFill xmlns="" xmlns:a14="http://schemas.microsoft.com/office/drawing/2010/main">
                 <a:solidFill>
                   <a:srgbClr val="FFFFFF"/>
                 </a:solidFill>
               </a14:hiddenFill>
             </a:ext>
             <a:ext uri="{91240B29-F687-4f45-9708-019B960494DF}">
-              <a14:hiddenLine xmlns:a14="http://schemas.microsoft.com/office/drawing/2010/main" xmlns="" w="9525">
+              <a14:hiddenLine xmlns="" xmlns:a14="http://schemas.microsoft.com/office/drawing/2010/main" w="9525">
                 <a:solidFill>
                   <a:srgbClr val="000000"/>
                 </a:solidFill>
@@ -6163,7 +6165,7 @@
               <a:pPr>
                 <a:defRPr/>
               </a:pPr>
-              <a:t>‹Nr.›</a:t>
+              <a:t>‹#›</a:t>
             </a:fld>
             <a:endParaRPr lang="de-CH" dirty="0"/>
           </a:p>
@@ -6619,14 +6621,14 @@
           <a:noFill/>
           <a:extLst>
             <a:ext uri="{909E8E84-426E-40dd-AFC4-6F175D3DCCD1}">
-              <a14:hiddenFill xmlns:a14="http://schemas.microsoft.com/office/drawing/2010/main" xmlns="">
+              <a14:hiddenFill xmlns="" xmlns:a14="http://schemas.microsoft.com/office/drawing/2010/main">
                 <a:solidFill>
                   <a:srgbClr val="FFFFFF"/>
                 </a:solidFill>
               </a14:hiddenFill>
             </a:ext>
             <a:ext uri="{91240B29-F687-4f45-9708-019B960494DF}">
-              <a14:hiddenLine xmlns:a14="http://schemas.microsoft.com/office/drawing/2010/main" xmlns="" w="9525">
+              <a14:hiddenLine xmlns="" xmlns:a14="http://schemas.microsoft.com/office/drawing/2010/main" w="9525">
                 <a:solidFill>
                   <a:srgbClr val="000000"/>
                 </a:solidFill>
@@ -6674,14 +6676,14 @@
           <a:noFill/>
           <a:extLst>
             <a:ext uri="{909E8E84-426E-40dd-AFC4-6F175D3DCCD1}">
-              <a14:hiddenFill xmlns:a14="http://schemas.microsoft.com/office/drawing/2010/main" xmlns="">
+              <a14:hiddenFill xmlns="" xmlns:a14="http://schemas.microsoft.com/office/drawing/2010/main">
                 <a:solidFill>
                   <a:srgbClr val="FFFFFF"/>
                 </a:solidFill>
               </a14:hiddenFill>
             </a:ext>
             <a:ext uri="{91240B29-F687-4f45-9708-019B960494DF}">
-              <a14:hiddenLine xmlns:a14="http://schemas.microsoft.com/office/drawing/2010/main" xmlns="" w="9525">
+              <a14:hiddenLine xmlns="" xmlns:a14="http://schemas.microsoft.com/office/drawing/2010/main" w="9525">
                 <a:solidFill>
                   <a:srgbClr val="000000"/>
                 </a:solidFill>
@@ -6732,14 +6734,14 @@
           <a:noFill/>
           <a:extLst>
             <a:ext uri="{909E8E84-426E-40dd-AFC4-6F175D3DCCD1}">
-              <a14:hiddenFill xmlns:a14="http://schemas.microsoft.com/office/drawing/2010/main" xmlns="">
+              <a14:hiddenFill xmlns="" xmlns:a14="http://schemas.microsoft.com/office/drawing/2010/main">
                 <a:solidFill>
                   <a:srgbClr val="FFFFFF"/>
                 </a:solidFill>
               </a14:hiddenFill>
             </a:ext>
             <a:ext uri="{91240B29-F687-4f45-9708-019B960494DF}">
-              <a14:hiddenLine xmlns:a14="http://schemas.microsoft.com/office/drawing/2010/main" xmlns="" w="9525">
+              <a14:hiddenLine xmlns="" xmlns:a14="http://schemas.microsoft.com/office/drawing/2010/main" w="9525">
                 <a:solidFill>
                   <a:srgbClr val="000000"/>
                 </a:solidFill>
@@ -6812,6 +6814,138 @@
 </p:sld>
 </file>
 
+<file path=ppt/slides/slide10.xml><?xml version="1.0" encoding="utf-8"?>
+<p:sld xmlns:a="http://schemas.openxmlformats.org/drawingml/2006/main" xmlns:r="http://schemas.openxmlformats.org/officeDocument/2006/relationships" xmlns:p="http://schemas.openxmlformats.org/presentationml/2006/main">
+  <p:cSld>
+    <p:spTree>
+      <p:nvGrpSpPr>
+        <p:cNvPr id="1" name=""/>
+        <p:cNvGrpSpPr/>
+        <p:nvPr/>
+      </p:nvGrpSpPr>
+      <p:grpSpPr>
+        <a:xfrm>
+          <a:off x="0" y="0"/>
+          <a:ext cx="0" cy="0"/>
+          <a:chOff x="0" y="0"/>
+          <a:chExt cx="0" cy="0"/>
+        </a:xfrm>
+      </p:grpSpPr>
+      <p:sp>
+        <p:nvSpPr>
+          <p:cNvPr id="8194" name="Titel 1"/>
+          <p:cNvSpPr>
+            <a:spLocks noGrp="1"/>
+          </p:cNvSpPr>
+          <p:nvPr>
+            <p:ph type="ctrTitle"/>
+          </p:nvPr>
+        </p:nvSpPr>
+        <p:spPr bwMode="auto">
+          <a:xfrm>
+            <a:off x="457200" y="1839913"/>
+            <a:ext cx="7019925" cy="533400"/>
+          </a:xfrm>
+          <a:noFill/>
+          <a:extLst>
+            <a:ext uri="{909E8E84-426E-40dd-AFC4-6F175D3DCCD1}">
+              <a14:hiddenFill xmlns="" xmlns:a14="http://schemas.microsoft.com/office/drawing/2010/main">
+                <a:solidFill>
+                  <a:srgbClr val="FFFFFF"/>
+                </a:solidFill>
+              </a14:hiddenFill>
+            </a:ext>
+            <a:ext uri="{91240B29-F687-4f45-9708-019B960494DF}">
+              <a14:hiddenLine xmlns="" xmlns:a14="http://schemas.microsoft.com/office/drawing/2010/main" w="9525">
+                <a:solidFill>
+                  <a:srgbClr val="000000"/>
+                </a:solidFill>
+                <a:miter lim="800000"/>
+                <a:headEnd/>
+                <a:tailEnd/>
+              </a14:hiddenLine>
+            </a:ext>
+          </a:extLst>
+        </p:spPr>
+        <p:txBody>
+          <a:bodyPr vert="horz" wrap="square" tIns="45720" bIns="45720" numCol="1" anchor="t" anchorCtr="0" compatLnSpc="1">
+            <a:prstTxWarp prst="textNoShape">
+              <a:avLst/>
+            </a:prstTxWarp>
+          </a:bodyPr>
+          <a:lstStyle/>
+          <a:p>
+            <a:pPr eaLnBrk="1" hangingPunct="1"/>
+            <a:r>
+              <a:rPr lang="de-CH" dirty="0">
+                <a:latin typeface="Lucida Sans" pitchFamily="34" charset="0"/>
+                <a:cs typeface="Lucida Sans Unicode" pitchFamily="34" charset="0"/>
+              </a:rPr>
+              <a:t>Danke für Ihre Aufmerksamkeit</a:t>
+            </a:r>
+          </a:p>
+        </p:txBody>
+      </p:sp>
+      <p:sp>
+        <p:nvSpPr>
+          <p:cNvPr id="8195" name="Untertitel 2"/>
+          <p:cNvSpPr>
+            <a:spLocks noGrp="1"/>
+          </p:cNvSpPr>
+          <p:nvPr>
+            <p:ph type="subTitle" idx="1"/>
+          </p:nvPr>
+        </p:nvSpPr>
+        <p:spPr bwMode="auto">
+          <a:xfrm>
+            <a:off x="457200" y="2447925"/>
+            <a:ext cx="7019925" cy="804863"/>
+          </a:xfrm>
+          <a:noFill/>
+          <a:extLst>
+            <a:ext uri="{909E8E84-426E-40dd-AFC4-6F175D3DCCD1}">
+              <a14:hiddenFill xmlns="" xmlns:a14="http://schemas.microsoft.com/office/drawing/2010/main">
+                <a:solidFill>
+                  <a:srgbClr val="FFFFFF"/>
+                </a:solidFill>
+              </a14:hiddenFill>
+            </a:ext>
+            <a:ext uri="{91240B29-F687-4f45-9708-019B960494DF}">
+              <a14:hiddenLine xmlns="" xmlns:a14="http://schemas.microsoft.com/office/drawing/2010/main" w="9525">
+                <a:solidFill>
+                  <a:srgbClr val="000000"/>
+                </a:solidFill>
+                <a:miter lim="800000"/>
+                <a:headEnd/>
+                <a:tailEnd/>
+              </a14:hiddenLine>
+            </a:ext>
+          </a:extLst>
+        </p:spPr>
+        <p:txBody>
+          <a:bodyPr vert="horz" wrap="square" tIns="45720" rIns="91440" bIns="45720" numCol="1" anchor="t" anchorCtr="0" compatLnSpc="1">
+            <a:prstTxWarp prst="textNoShape">
+              <a:avLst/>
+            </a:prstTxWarp>
+          </a:bodyPr>
+          <a:lstStyle/>
+          <a:p>
+            <a:pPr eaLnBrk="1" hangingPunct="1"/>
+            <a:endParaRPr lang="de-CH">
+              <a:latin typeface="Lucida Sans" pitchFamily="34" charset="0"/>
+              <a:cs typeface="Lucida Sans Unicode" pitchFamily="34" charset="0"/>
+            </a:endParaRPr>
+          </a:p>
+        </p:txBody>
+      </p:sp>
+    </p:spTree>
+  </p:cSld>
+  <p:clrMapOvr>
+    <a:masterClrMapping/>
+  </p:clrMapOvr>
+</p:sld>
+</file>
+
 <file path=ppt/slides/slide2.xml><?xml version="1.0" encoding="utf-8"?>
 <p:sld xmlns:a="http://schemas.openxmlformats.org/drawingml/2006/main" xmlns:r="http://schemas.openxmlformats.org/officeDocument/2006/relationships" xmlns:p="http://schemas.openxmlformats.org/presentationml/2006/main">
   <p:cSld>
@@ -6847,14 +6981,14 @@
           <a:noFill/>
           <a:extLst>
             <a:ext uri="{909E8E84-426E-40dd-AFC4-6F175D3DCCD1}">
-              <a14:hiddenFill xmlns:a14="http://schemas.microsoft.com/office/drawing/2010/main" xmlns="">
+              <a14:hiddenFill xmlns="" xmlns:a14="http://schemas.microsoft.com/office/drawing/2010/main">
                 <a:solidFill>
                   <a:srgbClr val="FFFFFF"/>
                 </a:solidFill>
               </a14:hiddenFill>
             </a:ext>
             <a:ext uri="{91240B29-F687-4f45-9708-019B960494DF}">
-              <a14:hiddenLine xmlns:a14="http://schemas.microsoft.com/office/drawing/2010/main" xmlns="" w="9525">
+              <a14:hiddenLine xmlns="" xmlns:a14="http://schemas.microsoft.com/office/drawing/2010/main" w="9525">
                 <a:solidFill>
                   <a:srgbClr val="000000"/>
                 </a:solidFill>
@@ -6902,14 +7036,14 @@
           <a:noFill/>
           <a:extLst>
             <a:ext uri="{909E8E84-426E-40dd-AFC4-6F175D3DCCD1}">
-              <a14:hiddenFill xmlns:a14="http://schemas.microsoft.com/office/drawing/2010/main" xmlns="">
+              <a14:hiddenFill xmlns="" xmlns:a14="http://schemas.microsoft.com/office/drawing/2010/main">
                 <a:solidFill>
                   <a:srgbClr val="FFFFFF"/>
                 </a:solidFill>
               </a14:hiddenFill>
             </a:ext>
             <a:ext uri="{91240B29-F687-4f45-9708-019B960494DF}">
-              <a14:hiddenLine xmlns:a14="http://schemas.microsoft.com/office/drawing/2010/main" xmlns="" w="9525">
+              <a14:hiddenLine xmlns="" xmlns:a14="http://schemas.microsoft.com/office/drawing/2010/main" w="9525">
                 <a:solidFill>
                   <a:srgbClr val="000000"/>
                 </a:solidFill>
@@ -6982,14 +7116,14 @@
           <a:noFill/>
           <a:extLst>
             <a:ext uri="{909E8E84-426E-40dd-AFC4-6F175D3DCCD1}">
-              <a14:hiddenFill xmlns:a14="http://schemas.microsoft.com/office/drawing/2010/main" xmlns="">
+              <a14:hiddenFill xmlns="" xmlns:a14="http://schemas.microsoft.com/office/drawing/2010/main">
                 <a:solidFill>
                   <a:srgbClr val="FFFFFF"/>
                 </a:solidFill>
               </a14:hiddenFill>
             </a:ext>
             <a:ext uri="{91240B29-F687-4f45-9708-019B960494DF}">
-              <a14:hiddenLine xmlns:a14="http://schemas.microsoft.com/office/drawing/2010/main" xmlns="" w="9525">
+              <a14:hiddenLine xmlns="" xmlns:a14="http://schemas.microsoft.com/office/drawing/2010/main" w="9525">
                 <a:solidFill>
                   <a:srgbClr val="000000"/>
                 </a:solidFill>
@@ -7116,14 +7250,14 @@
           <a:noFill/>
           <a:extLst>
             <a:ext uri="{909E8E84-426E-40dd-AFC4-6F175D3DCCD1}">
-              <a14:hiddenFill xmlns:a14="http://schemas.microsoft.com/office/drawing/2010/main" xmlns="">
+              <a14:hiddenFill xmlns="" xmlns:a14="http://schemas.microsoft.com/office/drawing/2010/main">
                 <a:solidFill>
                   <a:srgbClr val="FFFFFF"/>
                 </a:solidFill>
               </a14:hiddenFill>
             </a:ext>
             <a:ext uri="{91240B29-F687-4f45-9708-019B960494DF}">
-              <a14:hiddenLine xmlns:a14="http://schemas.microsoft.com/office/drawing/2010/main" xmlns="" w="9525">
+              <a14:hiddenLine xmlns="" xmlns:a14="http://schemas.microsoft.com/office/drawing/2010/main" w="9525">
                 <a:solidFill>
                   <a:srgbClr val="000000"/>
                 </a:solidFill>
@@ -7250,14 +7384,14 @@
           <a:noFill/>
           <a:extLst>
             <a:ext uri="{909E8E84-426E-40dd-AFC4-6F175D3DCCD1}">
-              <a14:hiddenFill xmlns:a14="http://schemas.microsoft.com/office/drawing/2010/main" xmlns="">
+              <a14:hiddenFill xmlns="" xmlns:a14="http://schemas.microsoft.com/office/drawing/2010/main">
                 <a:solidFill>
                   <a:srgbClr val="FFFFFF"/>
                 </a:solidFill>
               </a14:hiddenFill>
             </a:ext>
             <a:ext uri="{91240B29-F687-4f45-9708-019B960494DF}">
-              <a14:hiddenLine xmlns:a14="http://schemas.microsoft.com/office/drawing/2010/main" xmlns="" w="9525">
+              <a14:hiddenLine xmlns="" xmlns:a14="http://schemas.microsoft.com/office/drawing/2010/main" w="9525">
                 <a:solidFill>
                   <a:srgbClr val="000000"/>
                 </a:solidFill>
@@ -7385,14 +7519,14 @@
           <a:noFill/>
           <a:extLst>
             <a:ext uri="{909E8E84-426E-40dd-AFC4-6F175D3DCCD1}">
-              <a14:hiddenFill xmlns:a14="http://schemas.microsoft.com/office/drawing/2010/main" xmlns="">
+              <a14:hiddenFill xmlns="" xmlns:a14="http://schemas.microsoft.com/office/drawing/2010/main">
                 <a:solidFill>
                   <a:srgbClr val="FFFFFF"/>
                 </a:solidFill>
               </a14:hiddenFill>
             </a:ext>
             <a:ext uri="{91240B29-F687-4f45-9708-019B960494DF}">
-              <a14:hiddenLine xmlns:a14="http://schemas.microsoft.com/office/drawing/2010/main" xmlns="" w="9525">
+              <a14:hiddenLine xmlns="" xmlns:a14="http://schemas.microsoft.com/office/drawing/2010/main" w="9525">
                 <a:solidFill>
                   <a:srgbClr val="000000"/>
                 </a:solidFill>
@@ -7444,14 +7578,14 @@
           <a:noFill/>
           <a:extLst>
             <a:ext uri="{909E8E84-426E-40dd-AFC4-6F175D3DCCD1}">
-              <a14:hiddenFill xmlns:a14="http://schemas.microsoft.com/office/drawing/2010/main" xmlns="">
+              <a14:hiddenFill xmlns="" xmlns:a14="http://schemas.microsoft.com/office/drawing/2010/main">
                 <a:solidFill>
                   <a:srgbClr val="FFFFFF"/>
                 </a:solidFill>
               </a14:hiddenFill>
             </a:ext>
             <a:ext uri="{91240B29-F687-4f45-9708-019B960494DF}">
-              <a14:hiddenLine xmlns:a14="http://schemas.microsoft.com/office/drawing/2010/main" xmlns="" w="9525">
+              <a14:hiddenLine xmlns="" xmlns:a14="http://schemas.microsoft.com/office/drawing/2010/main" w="9525">
                 <a:solidFill>
                   <a:srgbClr val="000000"/>
                 </a:solidFill>
@@ -7513,60 +7647,6 @@
       </p:grpSpPr>
       <p:sp>
         <p:nvSpPr>
-          <p:cNvPr id="10242" name="Inhaltsplatzhalter 1"/>
-          <p:cNvSpPr>
-            <a:spLocks noGrp="1"/>
-          </p:cNvSpPr>
-          <p:nvPr>
-            <p:ph sz="half" idx="1"/>
-          </p:nvPr>
-        </p:nvSpPr>
-        <p:spPr bwMode="auto">
-          <a:xfrm>
-            <a:off x="457200" y="1331913"/>
-            <a:ext cx="11249025" cy="4787900"/>
-          </a:xfrm>
-          <a:noFill/>
-          <a:extLst>
-            <a:ext uri="{909E8E84-426E-40dd-AFC4-6F175D3DCCD1}">
-              <a14:hiddenFill xmlns:a14="http://schemas.microsoft.com/office/drawing/2010/main" xmlns="">
-                <a:solidFill>
-                  <a:srgbClr val="FFFFFF"/>
-                </a:solidFill>
-              </a14:hiddenFill>
-            </a:ext>
-            <a:ext uri="{91240B29-F687-4f45-9708-019B960494DF}">
-              <a14:hiddenLine xmlns:a14="http://schemas.microsoft.com/office/drawing/2010/main" xmlns="" w="9525">
-                <a:solidFill>
-                  <a:srgbClr val="000000"/>
-                </a:solidFill>
-                <a:miter lim="800000"/>
-                <a:headEnd/>
-                <a:tailEnd/>
-              </a14:hiddenLine>
-            </a:ext>
-          </a:extLst>
-        </p:spPr>
-        <p:txBody>
-          <a:bodyPr vert="horz" wrap="square" tIns="45720" bIns="45720" numCol="1" anchor="t" anchorCtr="0" compatLnSpc="1">
-            <a:prstTxWarp prst="textNoShape">
-              <a:avLst/>
-            </a:prstTxWarp>
-          </a:bodyPr>
-          <a:lstStyle/>
-          <a:p>
-            <a:pPr eaLnBrk="1" hangingPunct="1">
-              <a:buFont typeface="Lucida Grande" charset="0"/>
-              <a:buChar char="▶"/>
-            </a:pPr>
-            <a:endParaRPr lang="de-CH">
-              <a:latin typeface="Lucida Sans" pitchFamily="34" charset="0"/>
-            </a:endParaRPr>
-          </a:p>
-        </p:txBody>
-      </p:sp>
-      <p:sp>
-        <p:nvSpPr>
           <p:cNvPr id="10243" name="Titel 2"/>
           <p:cNvSpPr>
             <a:spLocks noGrp="1"/>
@@ -7583,14 +7663,14 @@
           <a:noFill/>
           <a:extLst>
             <a:ext uri="{909E8E84-426E-40dd-AFC4-6F175D3DCCD1}">
-              <a14:hiddenFill xmlns:a14="http://schemas.microsoft.com/office/drawing/2010/main" xmlns="">
+              <a14:hiddenFill xmlns="" xmlns:a14="http://schemas.microsoft.com/office/drawing/2010/main">
                 <a:solidFill>
                   <a:srgbClr val="FFFFFF"/>
                 </a:solidFill>
               </a14:hiddenFill>
             </a:ext>
             <a:ext uri="{91240B29-F687-4f45-9708-019B960494DF}">
-              <a14:hiddenLine xmlns:a14="http://schemas.microsoft.com/office/drawing/2010/main" xmlns="" w="9525">
+              <a14:hiddenLine xmlns="" xmlns:a14="http://schemas.microsoft.com/office/drawing/2010/main" w="9525">
                 <a:solidFill>
                   <a:srgbClr val="000000"/>
                 </a:solidFill>
@@ -7616,12 +7696,1721 @@
               </a:rPr>
               <a:t>Scrum</a:t>
             </a:r>
+            <a:r>
+              <a:rPr lang="de-CH" dirty="0">
+                <a:latin typeface="Lucida Sans" pitchFamily="34" charset="0"/>
+              </a:rPr>
+              <a:t>, </a:t>
+            </a:r>
+            <a:r>
+              <a:rPr lang="de-CH" dirty="0" err="1">
+                <a:latin typeface="Lucida Sans" pitchFamily="34" charset="0"/>
+              </a:rPr>
+              <a:t>Product</a:t>
+            </a:r>
+            <a:r>
+              <a:rPr lang="de-CH" dirty="0">
+                <a:latin typeface="Lucida Sans" pitchFamily="34" charset="0"/>
+              </a:rPr>
+              <a:t> </a:t>
+            </a:r>
+            <a:r>
+              <a:rPr lang="de-CH" dirty="0" err="1">
+                <a:latin typeface="Lucida Sans" pitchFamily="34" charset="0"/>
+              </a:rPr>
+              <a:t>Backlog</a:t>
+            </a:r>
             <a:endParaRPr lang="de-CH" dirty="0">
               <a:latin typeface="Lucida Sans" pitchFamily="34" charset="0"/>
             </a:endParaRPr>
           </a:p>
         </p:txBody>
       </p:sp>
+      <p:graphicFrame>
+        <p:nvGraphicFramePr>
+          <p:cNvPr id="4" name="Content Placeholder 3"/>
+          <p:cNvGraphicFramePr>
+            <a:graphicFrameLocks noGrp="1"/>
+          </p:cNvGraphicFramePr>
+          <p:nvPr>
+            <p:ph sz="half" idx="1"/>
+            <p:extLst>
+              <p:ext uri="{D42A27DB-BD31-4B8C-83A1-F6EECF244321}">
+                <p14:modId xmlns:p14="http://schemas.microsoft.com/office/powerpoint/2010/main" val="2711878519"/>
+              </p:ext>
+            </p:extLst>
+          </p:nvPr>
+        </p:nvGraphicFramePr>
+        <p:xfrm>
+          <a:off x="388730" y="1119136"/>
+          <a:ext cx="11249024" cy="4129988"/>
+        </p:xfrm>
+        <a:graphic>
+          <a:graphicData uri="http://schemas.openxmlformats.org/drawingml/2006/table">
+            <a:tbl>
+              <a:tblPr>
+                <a:tableStyleId>{5C22544A-7EE6-4342-B048-85BDC9FD1C3A}</a:tableStyleId>
+              </a:tblPr>
+              <a:tblGrid>
+                <a:gridCol w="373270">
+                  <a:extLst>
+                    <a:ext uri="{9D8B030D-6E8A-4147-A177-3AD203B41FA5}">
+                      <a16:colId xmlns:a16="http://schemas.microsoft.com/office/drawing/2014/main" val="1379389312"/>
+                    </a:ext>
+                  </a:extLst>
+                </a:gridCol>
+                <a:gridCol w="3035300">
+                  <a:extLst>
+                    <a:ext uri="{9D8B030D-6E8A-4147-A177-3AD203B41FA5}">
+                      <a16:colId xmlns:a16="http://schemas.microsoft.com/office/drawing/2014/main" val="974125196"/>
+                    </a:ext>
+                  </a:extLst>
+                </a:gridCol>
+                <a:gridCol w="5251450">
+                  <a:extLst>
+                    <a:ext uri="{9D8B030D-6E8A-4147-A177-3AD203B41FA5}">
+                      <a16:colId xmlns:a16="http://schemas.microsoft.com/office/drawing/2014/main" val="1570538153"/>
+                    </a:ext>
+                  </a:extLst>
+                </a:gridCol>
+                <a:gridCol w="1793493">
+                  <a:extLst>
+                    <a:ext uri="{9D8B030D-6E8A-4147-A177-3AD203B41FA5}">
+                      <a16:colId xmlns:a16="http://schemas.microsoft.com/office/drawing/2014/main" val="2775026693"/>
+                    </a:ext>
+                  </a:extLst>
+                </a:gridCol>
+                <a:gridCol w="795511">
+                  <a:extLst>
+                    <a:ext uri="{9D8B030D-6E8A-4147-A177-3AD203B41FA5}">
+                      <a16:colId xmlns:a16="http://schemas.microsoft.com/office/drawing/2014/main" val="447705535"/>
+                    </a:ext>
+                  </a:extLst>
+                </a:gridCol>
+              </a:tblGrid>
+              <a:tr h="426720">
+                <a:tc>
+                  <a:txBody>
+                    <a:bodyPr/>
+                    <a:lstStyle/>
+                    <a:p>
+                      <a:pPr algn="l" fontAlgn="b"/>
+                      <a:r>
+                        <a:rPr lang="en-GB" sz="1400" b="1" u="none" strike="noStrike" dirty="0">
+                          <a:solidFill>
+                            <a:schemeClr val="tx1"/>
+                          </a:solidFill>
+                          <a:effectLst/>
+                        </a:rPr>
+                        <a:t>ID</a:t>
+                      </a:r>
+                      <a:endParaRPr lang="en-GB" sz="1400" b="1" i="0" u="none" strike="noStrike" dirty="0">
+                        <a:solidFill>
+                          <a:schemeClr val="tx1"/>
+                        </a:solidFill>
+                        <a:effectLst/>
+                        <a:latin typeface="Calibri" panose="020F0502020204030204" pitchFamily="34" charset="0"/>
+                      </a:endParaRPr>
+                    </a:p>
+                  </a:txBody>
+                  <a:tcPr marL="0" marR="0" marT="0" marB="0" anchor="b"/>
+                </a:tc>
+                <a:tc>
+                  <a:txBody>
+                    <a:bodyPr/>
+                    <a:lstStyle/>
+                    <a:p>
+                      <a:pPr algn="l" fontAlgn="b"/>
+                      <a:r>
+                        <a:rPr lang="en-GB" sz="1400" b="1" u="none" strike="noStrike">
+                          <a:solidFill>
+                            <a:schemeClr val="tx1"/>
+                          </a:solidFill>
+                          <a:effectLst/>
+                        </a:rPr>
+                        <a:t>Story Name</a:t>
+                      </a:r>
+                      <a:endParaRPr lang="en-GB" sz="1400" b="1" i="0" u="none" strike="noStrike">
+                        <a:solidFill>
+                          <a:schemeClr val="tx1"/>
+                        </a:solidFill>
+                        <a:effectLst/>
+                        <a:latin typeface="Calibri" panose="020F0502020204030204" pitchFamily="34" charset="0"/>
+                      </a:endParaRPr>
+                    </a:p>
+                  </a:txBody>
+                  <a:tcPr marL="0" marR="0" marT="0" marB="0" anchor="b"/>
+                </a:tc>
+                <a:tc>
+                  <a:txBody>
+                    <a:bodyPr/>
+                    <a:lstStyle/>
+                    <a:p>
+                      <a:pPr algn="l" fontAlgn="b"/>
+                      <a:r>
+                        <a:rPr lang="en-GB" sz="1400" b="1" i="0" u="none" strike="noStrike" dirty="0">
+                          <a:solidFill>
+                            <a:schemeClr val="tx1"/>
+                          </a:solidFill>
+                          <a:effectLst/>
+                          <a:latin typeface="Calibri" panose="020F0502020204030204" pitchFamily="34" charset="0"/>
+                        </a:rPr>
+                        <a:t>Description</a:t>
+                      </a:r>
+                    </a:p>
+                  </a:txBody>
+                  <a:tcPr marL="6350" marR="6350" marT="6350" marB="0" anchor="b"/>
+                </a:tc>
+                <a:tc>
+                  <a:txBody>
+                    <a:bodyPr/>
+                    <a:lstStyle/>
+                    <a:p>
+                      <a:pPr algn="l" fontAlgn="b"/>
+                      <a:r>
+                        <a:rPr lang="en-GB" sz="1400" b="1" u="none" strike="noStrike" dirty="0">
+                          <a:solidFill>
+                            <a:schemeClr val="tx1"/>
+                          </a:solidFill>
+                          <a:effectLst/>
+                        </a:rPr>
+                        <a:t>Priority </a:t>
+                      </a:r>
+                      <a:endParaRPr lang="en-GB" sz="1400" b="1" i="0" u="none" strike="noStrike" dirty="0">
+                        <a:solidFill>
+                          <a:schemeClr val="tx1"/>
+                        </a:solidFill>
+                        <a:effectLst/>
+                        <a:latin typeface="Calibri" panose="020F0502020204030204" pitchFamily="34" charset="0"/>
+                      </a:endParaRPr>
+                    </a:p>
+                  </a:txBody>
+                  <a:tcPr marL="0" marR="0" marT="0" marB="0" anchor="b"/>
+                </a:tc>
+                <a:tc>
+                  <a:txBody>
+                    <a:bodyPr/>
+                    <a:lstStyle/>
+                    <a:p>
+                      <a:pPr algn="l" fontAlgn="b"/>
+                      <a:r>
+                        <a:rPr lang="en-GB" sz="1400" b="1" u="none" strike="noStrike" dirty="0">
+                          <a:solidFill>
+                            <a:schemeClr val="tx1"/>
+                          </a:solidFill>
+                          <a:effectLst/>
+                        </a:rPr>
+                        <a:t>Effort Plan Original</a:t>
+                      </a:r>
+                      <a:endParaRPr lang="en-GB" sz="1400" b="1" i="0" u="none" strike="noStrike" dirty="0">
+                        <a:solidFill>
+                          <a:schemeClr val="tx1"/>
+                        </a:solidFill>
+                        <a:effectLst/>
+                        <a:latin typeface="Calibri" panose="020F0502020204030204" pitchFamily="34" charset="0"/>
+                      </a:endParaRPr>
+                    </a:p>
+                  </a:txBody>
+                  <a:tcPr marL="0" marR="0" marT="0" marB="0" anchor="b"/>
+                </a:tc>
+                <a:extLst>
+                  <a:ext uri="{0D108BD9-81ED-4DB2-BD59-A6C34878D82A}">
+                    <a16:rowId xmlns:a16="http://schemas.microsoft.com/office/drawing/2014/main" val="3896918356"/>
+                  </a:ext>
+                </a:extLst>
+              </a:tr>
+              <a:tr h="274320">
+                <a:tc>
+                  <a:txBody>
+                    <a:bodyPr/>
+                    <a:lstStyle/>
+                    <a:p>
+                      <a:pPr algn="l" fontAlgn="t"/>
+                      <a:r>
+                        <a:rPr lang="en-GB" sz="1100" u="none" strike="noStrike">
+                          <a:effectLst/>
+                        </a:rPr>
+                        <a:t>1</a:t>
+                      </a:r>
+                      <a:endParaRPr lang="en-GB" sz="1100" b="0" i="0" u="none" strike="noStrike">
+                        <a:solidFill>
+                          <a:srgbClr val="000000"/>
+                        </a:solidFill>
+                        <a:effectLst/>
+                        <a:latin typeface="Calibri" panose="020F0502020204030204" pitchFamily="34" charset="0"/>
+                      </a:endParaRPr>
+                    </a:p>
+                  </a:txBody>
+                  <a:tcPr marL="0" marR="0" marT="0" marB="0"/>
+                </a:tc>
+                <a:tc>
+                  <a:txBody>
+                    <a:bodyPr/>
+                    <a:lstStyle/>
+                    <a:p>
+                      <a:pPr algn="l" fontAlgn="t"/>
+                      <a:r>
+                        <a:rPr lang="en-GB" sz="1100" b="1" u="none" strike="noStrike">
+                          <a:effectLst/>
+                        </a:rPr>
+                        <a:t>Login</a:t>
+                      </a:r>
+                      <a:endParaRPr lang="en-GB" sz="1100" b="1" i="0" u="none" strike="noStrike">
+                        <a:solidFill>
+                          <a:srgbClr val="000000"/>
+                        </a:solidFill>
+                        <a:effectLst/>
+                        <a:latin typeface="Calibri" panose="020F0502020204030204" pitchFamily="34" charset="0"/>
+                      </a:endParaRPr>
+                    </a:p>
+                  </a:txBody>
+                  <a:tcPr marL="0" marR="0" marT="0" marB="0"/>
+                </a:tc>
+                <a:tc>
+                  <a:txBody>
+                    <a:bodyPr/>
+                    <a:lstStyle/>
+                    <a:p>
+                      <a:pPr algn="l" fontAlgn="t"/>
+                      <a:r>
+                        <a:rPr lang="en-GB" sz="1100" b="0" i="0" u="none" strike="noStrike">
+                          <a:solidFill>
+                            <a:srgbClr val="000000"/>
+                          </a:solidFill>
+                          <a:effectLst/>
+                          <a:latin typeface="Calibri" panose="020F0502020204030204" pitchFamily="34" charset="0"/>
+                        </a:rPr>
+                        <a:t>As a user, I want to log in with my username and password</a:t>
+                      </a:r>
+                    </a:p>
+                  </a:txBody>
+                  <a:tcPr marL="6350" marR="6350" marT="6350" marB="0"/>
+                </a:tc>
+                <a:tc>
+                  <a:txBody>
+                    <a:bodyPr/>
+                    <a:lstStyle/>
+                    <a:p>
+                      <a:pPr algn="l" fontAlgn="t"/>
+                      <a:r>
+                        <a:rPr lang="en-GB" sz="1100" u="none" strike="noStrike">
+                          <a:effectLst/>
+                        </a:rPr>
+                        <a:t>low</a:t>
+                      </a:r>
+                      <a:endParaRPr lang="en-GB" sz="1100" b="0" i="0" u="none" strike="noStrike">
+                        <a:solidFill>
+                          <a:srgbClr val="000000"/>
+                        </a:solidFill>
+                        <a:effectLst/>
+                        <a:latin typeface="Calibri" panose="020F0502020204030204" pitchFamily="34" charset="0"/>
+                      </a:endParaRPr>
+                    </a:p>
+                  </a:txBody>
+                  <a:tcPr marL="0" marR="0" marT="0" marB="0"/>
+                </a:tc>
+                <a:tc>
+                  <a:txBody>
+                    <a:bodyPr/>
+                    <a:lstStyle/>
+                    <a:p>
+                      <a:pPr algn="r" fontAlgn="t"/>
+                      <a:r>
+                        <a:rPr lang="en-GB" sz="1100" u="none" strike="noStrike" dirty="0">
+                          <a:effectLst/>
+                        </a:rPr>
+                        <a:t>16</a:t>
+                      </a:r>
+                      <a:endParaRPr lang="en-GB" sz="1100" b="0" i="0" u="none" strike="noStrike" dirty="0">
+                        <a:solidFill>
+                          <a:srgbClr val="000000"/>
+                        </a:solidFill>
+                        <a:effectLst/>
+                        <a:latin typeface="Calibri" panose="020F0502020204030204" pitchFamily="34" charset="0"/>
+                      </a:endParaRPr>
+                    </a:p>
+                  </a:txBody>
+                  <a:tcPr marL="0" marR="0" marT="0" marB="0"/>
+                </a:tc>
+                <a:extLst>
+                  <a:ext uri="{0D108BD9-81ED-4DB2-BD59-A6C34878D82A}">
+                    <a16:rowId xmlns:a16="http://schemas.microsoft.com/office/drawing/2014/main" val="3926010700"/>
+                  </a:ext>
+                </a:extLst>
+              </a:tr>
+              <a:tr h="335280">
+                <a:tc>
+                  <a:txBody>
+                    <a:bodyPr/>
+                    <a:lstStyle/>
+                    <a:p>
+                      <a:pPr algn="l" fontAlgn="b"/>
+                      <a:r>
+                        <a:rPr lang="en-GB" sz="1100" u="none" strike="noStrike" dirty="0">
+                          <a:effectLst/>
+                        </a:rPr>
+                        <a:t>2</a:t>
+                      </a:r>
+                      <a:endParaRPr lang="en-GB" sz="1100" b="0" i="0" u="none" strike="noStrike" dirty="0">
+                        <a:solidFill>
+                          <a:srgbClr val="000000"/>
+                        </a:solidFill>
+                        <a:effectLst/>
+                        <a:latin typeface="Calibri" panose="020F0502020204030204" pitchFamily="34" charset="0"/>
+                      </a:endParaRPr>
+                    </a:p>
+                  </a:txBody>
+                  <a:tcPr marL="0" marR="0" marT="0" marB="0" anchor="b"/>
+                </a:tc>
+                <a:tc>
+                  <a:txBody>
+                    <a:bodyPr/>
+                    <a:lstStyle/>
+                    <a:p>
+                      <a:pPr algn="l" fontAlgn="b"/>
+                      <a:r>
+                        <a:rPr lang="en-GB" sz="1100" b="1" u="none" strike="noStrike" dirty="0">
+                          <a:effectLst/>
+                        </a:rPr>
+                        <a:t>Logout</a:t>
+                      </a:r>
+                      <a:endParaRPr lang="en-GB" sz="1100" b="1" i="0" u="none" strike="noStrike" dirty="0">
+                        <a:solidFill>
+                          <a:srgbClr val="000000"/>
+                        </a:solidFill>
+                        <a:effectLst/>
+                        <a:latin typeface="Calibri" panose="020F0502020204030204" pitchFamily="34" charset="0"/>
+                      </a:endParaRPr>
+                    </a:p>
+                  </a:txBody>
+                  <a:tcPr marL="0" marR="0" marT="0" marB="0" anchor="b"/>
+                </a:tc>
+                <a:tc>
+                  <a:txBody>
+                    <a:bodyPr/>
+                    <a:lstStyle/>
+                    <a:p>
+                      <a:pPr algn="l" fontAlgn="b"/>
+                      <a:r>
+                        <a:rPr lang="en-GB" sz="1100" b="0" i="0" u="none" strike="noStrike">
+                          <a:solidFill>
+                            <a:srgbClr val="000000"/>
+                          </a:solidFill>
+                          <a:effectLst/>
+                          <a:latin typeface="Calibri" panose="020F0502020204030204" pitchFamily="34" charset="0"/>
+                        </a:rPr>
+                        <a:t>As a user, I want to log out immediately, no matter where I am</a:t>
+                      </a:r>
+                    </a:p>
+                  </a:txBody>
+                  <a:tcPr marL="6350" marR="6350" marT="6350" marB="0" anchor="b"/>
+                </a:tc>
+                <a:tc>
+                  <a:txBody>
+                    <a:bodyPr/>
+                    <a:lstStyle/>
+                    <a:p>
+                      <a:pPr algn="l" fontAlgn="b"/>
+                      <a:r>
+                        <a:rPr lang="en-GB" sz="1100" u="none" strike="noStrike">
+                          <a:effectLst/>
+                        </a:rPr>
+                        <a:t>low</a:t>
+                      </a:r>
+                      <a:endParaRPr lang="en-GB" sz="1100" b="0" i="0" u="none" strike="noStrike">
+                        <a:solidFill>
+                          <a:srgbClr val="000000"/>
+                        </a:solidFill>
+                        <a:effectLst/>
+                        <a:latin typeface="Calibri" panose="020F0502020204030204" pitchFamily="34" charset="0"/>
+                      </a:endParaRPr>
+                    </a:p>
+                  </a:txBody>
+                  <a:tcPr marL="0" marR="0" marT="0" marB="0" anchor="b"/>
+                </a:tc>
+                <a:tc>
+                  <a:txBody>
+                    <a:bodyPr/>
+                    <a:lstStyle/>
+                    <a:p>
+                      <a:pPr algn="r" fontAlgn="b"/>
+                      <a:r>
+                        <a:rPr lang="en-GB" sz="1100" u="none" strike="noStrike" dirty="0">
+                          <a:effectLst/>
+                        </a:rPr>
+                        <a:t>8</a:t>
+                      </a:r>
+                      <a:endParaRPr lang="en-GB" sz="1100" b="0" i="0" u="none" strike="noStrike" dirty="0">
+                        <a:solidFill>
+                          <a:srgbClr val="000000"/>
+                        </a:solidFill>
+                        <a:effectLst/>
+                        <a:latin typeface="Calibri" panose="020F0502020204030204" pitchFamily="34" charset="0"/>
+                      </a:endParaRPr>
+                    </a:p>
+                  </a:txBody>
+                  <a:tcPr marL="0" marR="0" marT="0" marB="0" anchor="b"/>
+                </a:tc>
+                <a:extLst>
+                  <a:ext uri="{0D108BD9-81ED-4DB2-BD59-A6C34878D82A}">
+                    <a16:rowId xmlns:a16="http://schemas.microsoft.com/office/drawing/2014/main" val="893208053"/>
+                  </a:ext>
+                </a:extLst>
+              </a:tr>
+              <a:tr h="274320">
+                <a:tc>
+                  <a:txBody>
+                    <a:bodyPr/>
+                    <a:lstStyle/>
+                    <a:p>
+                      <a:pPr algn="l" fontAlgn="b"/>
+                      <a:r>
+                        <a:rPr lang="en-GB" sz="1100" u="none" strike="noStrike">
+                          <a:effectLst/>
+                        </a:rPr>
+                        <a:t>3</a:t>
+                      </a:r>
+                      <a:endParaRPr lang="en-GB" sz="1100" b="0" i="0" u="none" strike="noStrike">
+                        <a:solidFill>
+                          <a:srgbClr val="000000"/>
+                        </a:solidFill>
+                        <a:effectLst/>
+                        <a:latin typeface="Calibri" panose="020F0502020204030204" pitchFamily="34" charset="0"/>
+                      </a:endParaRPr>
+                    </a:p>
+                  </a:txBody>
+                  <a:tcPr marL="0" marR="0" marT="0" marB="0" anchor="b"/>
+                </a:tc>
+                <a:tc>
+                  <a:txBody>
+                    <a:bodyPr/>
+                    <a:lstStyle/>
+                    <a:p>
+                      <a:pPr algn="l" fontAlgn="b"/>
+                      <a:r>
+                        <a:rPr lang="en-GB" sz="1100" b="1" u="none" strike="noStrike" dirty="0">
+                          <a:effectLst/>
+                          <a:highlight>
+                            <a:srgbClr val="FFFF00"/>
+                          </a:highlight>
+                        </a:rPr>
+                        <a:t>Schedule view</a:t>
+                      </a:r>
+                      <a:endParaRPr lang="en-GB" sz="1100" b="1" i="0" u="none" strike="noStrike" dirty="0">
+                        <a:solidFill>
+                          <a:srgbClr val="000000"/>
+                        </a:solidFill>
+                        <a:effectLst/>
+                        <a:highlight>
+                          <a:srgbClr val="FFFF00"/>
+                        </a:highlight>
+                        <a:latin typeface="Calibri" panose="020F0502020204030204" pitchFamily="34" charset="0"/>
+                      </a:endParaRPr>
+                    </a:p>
+                  </a:txBody>
+                  <a:tcPr marL="0" marR="0" marT="0" marB="0" anchor="b"/>
+                </a:tc>
+                <a:tc>
+                  <a:txBody>
+                    <a:bodyPr/>
+                    <a:lstStyle/>
+                    <a:p>
+                      <a:pPr algn="l" fontAlgn="b"/>
+                      <a:r>
+                        <a:rPr lang="en-GB" sz="1100" b="0" i="0" u="none" strike="noStrike">
+                          <a:solidFill>
+                            <a:srgbClr val="000000"/>
+                          </a:solidFill>
+                          <a:effectLst/>
+                          <a:latin typeface="Calibri" panose="020F0502020204030204" pitchFamily="34" charset="0"/>
+                        </a:rPr>
+                        <a:t>As a user, I want to see all patient appointments </a:t>
+                      </a:r>
+                    </a:p>
+                  </a:txBody>
+                  <a:tcPr marL="6350" marR="6350" marT="6350" marB="0" anchor="b"/>
+                </a:tc>
+                <a:tc>
+                  <a:txBody>
+                    <a:bodyPr/>
+                    <a:lstStyle/>
+                    <a:p>
+                      <a:pPr algn="l" fontAlgn="b"/>
+                      <a:r>
+                        <a:rPr lang="en-GB" sz="1100" u="none" strike="noStrike" dirty="0">
+                          <a:effectLst/>
+                          <a:highlight>
+                            <a:srgbClr val="FFFF00"/>
+                          </a:highlight>
+                        </a:rPr>
+                        <a:t>high</a:t>
+                      </a:r>
+                      <a:endParaRPr lang="en-GB" sz="1100" b="0" i="0" u="none" strike="noStrike" dirty="0">
+                        <a:solidFill>
+                          <a:srgbClr val="000000"/>
+                        </a:solidFill>
+                        <a:effectLst/>
+                        <a:highlight>
+                          <a:srgbClr val="FFFF00"/>
+                        </a:highlight>
+                        <a:latin typeface="Calibri" panose="020F0502020204030204" pitchFamily="34" charset="0"/>
+                      </a:endParaRPr>
+                    </a:p>
+                  </a:txBody>
+                  <a:tcPr marL="0" marR="0" marT="0" marB="0" anchor="b"/>
+                </a:tc>
+                <a:tc>
+                  <a:txBody>
+                    <a:bodyPr/>
+                    <a:lstStyle/>
+                    <a:p>
+                      <a:pPr algn="r" fontAlgn="b"/>
+                      <a:r>
+                        <a:rPr lang="en-GB" sz="1100" u="none" strike="noStrike">
+                          <a:effectLst/>
+                        </a:rPr>
+                        <a:t>16</a:t>
+                      </a:r>
+                      <a:endParaRPr lang="en-GB" sz="1100" b="0" i="0" u="none" strike="noStrike">
+                        <a:solidFill>
+                          <a:srgbClr val="000000"/>
+                        </a:solidFill>
+                        <a:effectLst/>
+                        <a:latin typeface="Calibri" panose="020F0502020204030204" pitchFamily="34" charset="0"/>
+                      </a:endParaRPr>
+                    </a:p>
+                  </a:txBody>
+                  <a:tcPr marL="0" marR="0" marT="0" marB="0" anchor="b"/>
+                </a:tc>
+                <a:extLst>
+                  <a:ext uri="{0D108BD9-81ED-4DB2-BD59-A6C34878D82A}">
+                    <a16:rowId xmlns:a16="http://schemas.microsoft.com/office/drawing/2014/main" val="3863045295"/>
+                  </a:ext>
+                </a:extLst>
+              </a:tr>
+              <a:tr h="335280">
+                <a:tc>
+                  <a:txBody>
+                    <a:bodyPr/>
+                    <a:lstStyle/>
+                    <a:p>
+                      <a:pPr algn="l" fontAlgn="t"/>
+                      <a:r>
+                        <a:rPr lang="en-GB" sz="1100" u="none" strike="noStrike" dirty="0">
+                          <a:effectLst/>
+                        </a:rPr>
+                        <a:t>4</a:t>
+                      </a:r>
+                      <a:endParaRPr lang="en-GB" sz="1100" b="0" i="0" u="none" strike="noStrike" dirty="0">
+                        <a:solidFill>
+                          <a:srgbClr val="000000"/>
+                        </a:solidFill>
+                        <a:effectLst/>
+                        <a:latin typeface="Calibri" panose="020F0502020204030204" pitchFamily="34" charset="0"/>
+                      </a:endParaRPr>
+                    </a:p>
+                  </a:txBody>
+                  <a:tcPr marL="0" marR="0" marT="0" marB="0"/>
+                </a:tc>
+                <a:tc>
+                  <a:txBody>
+                    <a:bodyPr/>
+                    <a:lstStyle/>
+                    <a:p>
+                      <a:pPr algn="l" fontAlgn="b"/>
+                      <a:r>
+                        <a:rPr lang="en-GB" sz="1100" b="1" u="none" strike="noStrike" dirty="0">
+                          <a:effectLst/>
+                          <a:highlight>
+                            <a:srgbClr val="FFFF00"/>
+                          </a:highlight>
+                        </a:rPr>
+                        <a:t>display information about the patient</a:t>
+                      </a:r>
+                      <a:endParaRPr lang="en-GB" sz="1100" b="1" i="0" u="none" strike="noStrike" dirty="0">
+                        <a:solidFill>
+                          <a:srgbClr val="000000"/>
+                        </a:solidFill>
+                        <a:effectLst/>
+                        <a:highlight>
+                          <a:srgbClr val="FFFF00"/>
+                        </a:highlight>
+                        <a:latin typeface="Calibri" panose="020F0502020204030204" pitchFamily="34" charset="0"/>
+                      </a:endParaRPr>
+                    </a:p>
+                  </a:txBody>
+                  <a:tcPr marL="0" marR="0" marT="0" marB="0" anchor="b"/>
+                </a:tc>
+                <a:tc>
+                  <a:txBody>
+                    <a:bodyPr/>
+                    <a:lstStyle/>
+                    <a:p>
+                      <a:pPr algn="l" fontAlgn="b"/>
+                      <a:r>
+                        <a:rPr lang="en-GB" sz="1100" b="0" i="0" u="none" strike="noStrike">
+                          <a:solidFill>
+                            <a:srgbClr val="000000"/>
+                          </a:solidFill>
+                          <a:effectLst/>
+                          <a:latin typeface="Calibri" panose="020F0502020204030204" pitchFamily="34" charset="0"/>
+                        </a:rPr>
+                        <a:t>As a user, I want to get all necessary information about a patient</a:t>
+                      </a:r>
+                    </a:p>
+                  </a:txBody>
+                  <a:tcPr marL="6350" marR="6350" marT="6350" marB="0" anchor="b"/>
+                </a:tc>
+                <a:tc>
+                  <a:txBody>
+                    <a:bodyPr/>
+                    <a:lstStyle/>
+                    <a:p>
+                      <a:pPr algn="l" fontAlgn="b"/>
+                      <a:r>
+                        <a:rPr lang="en-GB" sz="1100" u="none" strike="noStrike" dirty="0">
+                          <a:effectLst/>
+                          <a:highlight>
+                            <a:srgbClr val="FFFF00"/>
+                          </a:highlight>
+                        </a:rPr>
+                        <a:t>high</a:t>
+                      </a:r>
+                      <a:endParaRPr lang="en-GB" sz="1100" b="0" i="0" u="none" strike="noStrike" dirty="0">
+                        <a:solidFill>
+                          <a:srgbClr val="000000"/>
+                        </a:solidFill>
+                        <a:effectLst/>
+                        <a:highlight>
+                          <a:srgbClr val="FFFF00"/>
+                        </a:highlight>
+                        <a:latin typeface="Calibri" panose="020F0502020204030204" pitchFamily="34" charset="0"/>
+                      </a:endParaRPr>
+                    </a:p>
+                  </a:txBody>
+                  <a:tcPr marL="0" marR="0" marT="0" marB="0" anchor="b"/>
+                </a:tc>
+                <a:tc>
+                  <a:txBody>
+                    <a:bodyPr/>
+                    <a:lstStyle/>
+                    <a:p>
+                      <a:pPr algn="r" fontAlgn="b"/>
+                      <a:r>
+                        <a:rPr lang="en-GB" sz="1100" u="none" strike="noStrike">
+                          <a:effectLst/>
+                        </a:rPr>
+                        <a:t>16</a:t>
+                      </a:r>
+                      <a:endParaRPr lang="en-GB" sz="1100" b="0" i="0" u="none" strike="noStrike">
+                        <a:solidFill>
+                          <a:srgbClr val="000000"/>
+                        </a:solidFill>
+                        <a:effectLst/>
+                        <a:latin typeface="Calibri" panose="020F0502020204030204" pitchFamily="34" charset="0"/>
+                      </a:endParaRPr>
+                    </a:p>
+                  </a:txBody>
+                  <a:tcPr marL="0" marR="0" marT="0" marB="0" anchor="b"/>
+                </a:tc>
+                <a:extLst>
+                  <a:ext uri="{0D108BD9-81ED-4DB2-BD59-A6C34878D82A}">
+                    <a16:rowId xmlns:a16="http://schemas.microsoft.com/office/drawing/2014/main" val="2194622845"/>
+                  </a:ext>
+                </a:extLst>
+              </a:tr>
+              <a:tr h="335280">
+                <a:tc>
+                  <a:txBody>
+                    <a:bodyPr/>
+                    <a:lstStyle/>
+                    <a:p>
+                      <a:pPr algn="l" fontAlgn="b"/>
+                      <a:r>
+                        <a:rPr lang="en-GB" sz="1100" u="none" strike="noStrike" dirty="0">
+                          <a:effectLst/>
+                        </a:rPr>
+                        <a:t>5</a:t>
+                      </a:r>
+                      <a:endParaRPr lang="en-GB" sz="1100" b="0" i="0" u="none" strike="noStrike" dirty="0">
+                        <a:solidFill>
+                          <a:srgbClr val="000000"/>
+                        </a:solidFill>
+                        <a:effectLst/>
+                        <a:latin typeface="Calibri" panose="020F0502020204030204" pitchFamily="34" charset="0"/>
+                      </a:endParaRPr>
+                    </a:p>
+                  </a:txBody>
+                  <a:tcPr marL="0" marR="0" marT="0" marB="0" anchor="b"/>
+                </a:tc>
+                <a:tc>
+                  <a:txBody>
+                    <a:bodyPr/>
+                    <a:lstStyle/>
+                    <a:p>
+                      <a:pPr algn="l" fontAlgn="b"/>
+                      <a:r>
+                        <a:rPr lang="en-GB" sz="1100" b="1" u="none" strike="noStrike">
+                          <a:effectLst/>
+                        </a:rPr>
+                        <a:t>display information about diagnosis</a:t>
+                      </a:r>
+                      <a:endParaRPr lang="en-GB" sz="1100" b="1" i="0" u="none" strike="noStrike">
+                        <a:solidFill>
+                          <a:srgbClr val="000000"/>
+                        </a:solidFill>
+                        <a:effectLst/>
+                        <a:latin typeface="Calibri" panose="020F0502020204030204" pitchFamily="34" charset="0"/>
+                      </a:endParaRPr>
+                    </a:p>
+                  </a:txBody>
+                  <a:tcPr marL="0" marR="0" marT="0" marB="0" anchor="b"/>
+                </a:tc>
+                <a:tc>
+                  <a:txBody>
+                    <a:bodyPr/>
+                    <a:lstStyle/>
+                    <a:p>
+                      <a:pPr algn="l" fontAlgn="b"/>
+                      <a:r>
+                        <a:rPr lang="en-GB" sz="1100" b="0" i="0" u="none" strike="noStrike">
+                          <a:solidFill>
+                            <a:srgbClr val="000000"/>
+                          </a:solidFill>
+                          <a:effectLst/>
+                          <a:latin typeface="Calibri" panose="020F0502020204030204" pitchFamily="34" charset="0"/>
+                        </a:rPr>
+                        <a:t>As a user, I want to see all information about patients diagnosis</a:t>
+                      </a:r>
+                    </a:p>
+                  </a:txBody>
+                  <a:tcPr marL="6350" marR="6350" marT="6350" marB="0" anchor="b"/>
+                </a:tc>
+                <a:tc>
+                  <a:txBody>
+                    <a:bodyPr/>
+                    <a:lstStyle/>
+                    <a:p>
+                      <a:pPr algn="l" fontAlgn="b"/>
+                      <a:r>
+                        <a:rPr lang="en-GB" sz="1100" u="none" strike="noStrike">
+                          <a:effectLst/>
+                        </a:rPr>
+                        <a:t>medium</a:t>
+                      </a:r>
+                      <a:endParaRPr lang="en-GB" sz="1100" b="0" i="0" u="none" strike="noStrike">
+                        <a:solidFill>
+                          <a:srgbClr val="000000"/>
+                        </a:solidFill>
+                        <a:effectLst/>
+                        <a:latin typeface="Calibri" panose="020F0502020204030204" pitchFamily="34" charset="0"/>
+                      </a:endParaRPr>
+                    </a:p>
+                  </a:txBody>
+                  <a:tcPr marL="0" marR="0" marT="0" marB="0" anchor="b"/>
+                </a:tc>
+                <a:tc>
+                  <a:txBody>
+                    <a:bodyPr/>
+                    <a:lstStyle/>
+                    <a:p>
+                      <a:pPr algn="r" fontAlgn="b"/>
+                      <a:r>
+                        <a:rPr lang="en-GB" sz="1100" u="none" strike="noStrike">
+                          <a:effectLst/>
+                        </a:rPr>
+                        <a:t>12</a:t>
+                      </a:r>
+                      <a:endParaRPr lang="en-GB" sz="1100" b="0" i="0" u="none" strike="noStrike">
+                        <a:solidFill>
+                          <a:srgbClr val="000000"/>
+                        </a:solidFill>
+                        <a:effectLst/>
+                        <a:latin typeface="Calibri" panose="020F0502020204030204" pitchFamily="34" charset="0"/>
+                      </a:endParaRPr>
+                    </a:p>
+                  </a:txBody>
+                  <a:tcPr marL="0" marR="0" marT="0" marB="0" anchor="b"/>
+                </a:tc>
+                <a:extLst>
+                  <a:ext uri="{0D108BD9-81ED-4DB2-BD59-A6C34878D82A}">
+                    <a16:rowId xmlns:a16="http://schemas.microsoft.com/office/drawing/2014/main" val="1395213842"/>
+                  </a:ext>
+                </a:extLst>
+              </a:tr>
+              <a:tr h="274320">
+                <a:tc>
+                  <a:txBody>
+                    <a:bodyPr/>
+                    <a:lstStyle/>
+                    <a:p>
+                      <a:pPr algn="l" fontAlgn="b"/>
+                      <a:r>
+                        <a:rPr lang="en-GB" sz="1100" u="none" strike="noStrike" dirty="0">
+                          <a:effectLst/>
+                        </a:rPr>
+                        <a:t>6</a:t>
+                      </a:r>
+                      <a:endParaRPr lang="en-GB" sz="1100" b="0" i="0" u="none" strike="noStrike" dirty="0">
+                        <a:solidFill>
+                          <a:srgbClr val="000000"/>
+                        </a:solidFill>
+                        <a:effectLst/>
+                        <a:latin typeface="Calibri" panose="020F0502020204030204" pitchFamily="34" charset="0"/>
+                      </a:endParaRPr>
+                    </a:p>
+                  </a:txBody>
+                  <a:tcPr marL="0" marR="0" marT="0" marB="0" anchor="b"/>
+                </a:tc>
+                <a:tc>
+                  <a:txBody>
+                    <a:bodyPr/>
+                    <a:lstStyle/>
+                    <a:p>
+                      <a:pPr algn="l" fontAlgn="b"/>
+                      <a:r>
+                        <a:rPr lang="en-GB" sz="1100" b="1" u="none" strike="noStrike">
+                          <a:effectLst/>
+                        </a:rPr>
+                        <a:t>User gets past labor results from DB</a:t>
+                      </a:r>
+                      <a:endParaRPr lang="en-GB" sz="1100" b="1" i="0" u="none" strike="noStrike">
+                        <a:solidFill>
+                          <a:srgbClr val="000000"/>
+                        </a:solidFill>
+                        <a:effectLst/>
+                        <a:latin typeface="Calibri" panose="020F0502020204030204" pitchFamily="34" charset="0"/>
+                      </a:endParaRPr>
+                    </a:p>
+                  </a:txBody>
+                  <a:tcPr marL="0" marR="0" marT="0" marB="0" anchor="b"/>
+                </a:tc>
+                <a:tc>
+                  <a:txBody>
+                    <a:bodyPr/>
+                    <a:lstStyle/>
+                    <a:p>
+                      <a:pPr algn="l" fontAlgn="b"/>
+                      <a:r>
+                        <a:rPr lang="en-GB" sz="1100" b="0" i="0" u="none" strike="noStrike">
+                          <a:solidFill>
+                            <a:srgbClr val="000000"/>
+                          </a:solidFill>
+                          <a:effectLst/>
+                          <a:latin typeface="Calibri" panose="020F0502020204030204" pitchFamily="34" charset="0"/>
+                        </a:rPr>
+                        <a:t>As a user, I want to see past labor results</a:t>
+                      </a:r>
+                    </a:p>
+                  </a:txBody>
+                  <a:tcPr marL="6350" marR="6350" marT="6350" marB="0" anchor="b"/>
+                </a:tc>
+                <a:tc>
+                  <a:txBody>
+                    <a:bodyPr/>
+                    <a:lstStyle/>
+                    <a:p>
+                      <a:pPr algn="l" fontAlgn="b"/>
+                      <a:r>
+                        <a:rPr lang="en-GB" sz="1100" u="none" strike="noStrike">
+                          <a:effectLst/>
+                        </a:rPr>
+                        <a:t>low</a:t>
+                      </a:r>
+                      <a:endParaRPr lang="en-GB" sz="1100" b="0" i="0" u="none" strike="noStrike">
+                        <a:solidFill>
+                          <a:srgbClr val="000000"/>
+                        </a:solidFill>
+                        <a:effectLst/>
+                        <a:latin typeface="Calibri" panose="020F0502020204030204" pitchFamily="34" charset="0"/>
+                      </a:endParaRPr>
+                    </a:p>
+                  </a:txBody>
+                  <a:tcPr marL="0" marR="0" marT="0" marB="0" anchor="b"/>
+                </a:tc>
+                <a:tc>
+                  <a:txBody>
+                    <a:bodyPr/>
+                    <a:lstStyle/>
+                    <a:p>
+                      <a:pPr algn="r" fontAlgn="b"/>
+                      <a:r>
+                        <a:rPr lang="en-GB" sz="1100" u="none" strike="noStrike">
+                          <a:effectLst/>
+                        </a:rPr>
+                        <a:t>12</a:t>
+                      </a:r>
+                      <a:endParaRPr lang="en-GB" sz="1100" b="0" i="0" u="none" strike="noStrike">
+                        <a:solidFill>
+                          <a:srgbClr val="000000"/>
+                        </a:solidFill>
+                        <a:effectLst/>
+                        <a:latin typeface="Calibri" panose="020F0502020204030204" pitchFamily="34" charset="0"/>
+                      </a:endParaRPr>
+                    </a:p>
+                  </a:txBody>
+                  <a:tcPr marL="0" marR="0" marT="0" marB="0" anchor="b"/>
+                </a:tc>
+                <a:extLst>
+                  <a:ext uri="{0D108BD9-81ED-4DB2-BD59-A6C34878D82A}">
+                    <a16:rowId xmlns:a16="http://schemas.microsoft.com/office/drawing/2014/main" val="3146535669"/>
+                  </a:ext>
+                </a:extLst>
+              </a:tr>
+              <a:tr h="380948">
+                <a:tc>
+                  <a:txBody>
+                    <a:bodyPr/>
+                    <a:lstStyle/>
+                    <a:p>
+                      <a:pPr algn="l" fontAlgn="t"/>
+                      <a:r>
+                        <a:rPr lang="en-GB" sz="1100" u="none" strike="noStrike" dirty="0">
+                          <a:effectLst/>
+                        </a:rPr>
+                        <a:t>7</a:t>
+                      </a:r>
+                      <a:endParaRPr lang="en-GB" sz="1100" b="0" i="0" u="none" strike="noStrike" dirty="0">
+                        <a:solidFill>
+                          <a:srgbClr val="000000"/>
+                        </a:solidFill>
+                        <a:effectLst/>
+                        <a:latin typeface="Calibri" panose="020F0502020204030204" pitchFamily="34" charset="0"/>
+                      </a:endParaRPr>
+                    </a:p>
+                  </a:txBody>
+                  <a:tcPr marL="0" marR="0" marT="0" marB="0"/>
+                </a:tc>
+                <a:tc>
+                  <a:txBody>
+                    <a:bodyPr/>
+                    <a:lstStyle/>
+                    <a:p>
+                      <a:pPr algn="l" fontAlgn="b"/>
+                      <a:r>
+                        <a:rPr lang="en-GB" sz="1100" b="1" u="none" strike="noStrike" dirty="0">
+                          <a:effectLst/>
+                          <a:highlight>
+                            <a:srgbClr val="FFFF00"/>
+                          </a:highlight>
+                        </a:rPr>
+                        <a:t>User gets standing data of patients</a:t>
+                      </a:r>
+                      <a:endParaRPr lang="en-GB" sz="1100" b="1" i="0" u="none" strike="noStrike" dirty="0">
+                        <a:solidFill>
+                          <a:srgbClr val="000000"/>
+                        </a:solidFill>
+                        <a:effectLst/>
+                        <a:highlight>
+                          <a:srgbClr val="FFFF00"/>
+                        </a:highlight>
+                        <a:latin typeface="Calibri" panose="020F0502020204030204" pitchFamily="34" charset="0"/>
+                      </a:endParaRPr>
+                    </a:p>
+                  </a:txBody>
+                  <a:tcPr marL="0" marR="0" marT="0" marB="0" anchor="b"/>
+                </a:tc>
+                <a:tc>
+                  <a:txBody>
+                    <a:bodyPr/>
+                    <a:lstStyle/>
+                    <a:p>
+                      <a:pPr algn="l" fontAlgn="b"/>
+                      <a:r>
+                        <a:rPr lang="en-GB" sz="1100" b="0" i="0" u="none" strike="noStrike">
+                          <a:solidFill>
+                            <a:srgbClr val="000000"/>
+                          </a:solidFill>
+                          <a:effectLst/>
+                          <a:latin typeface="Calibri" panose="020F0502020204030204" pitchFamily="34" charset="0"/>
+                        </a:rPr>
+                        <a:t>As a user, I want to get important information about the patients identity</a:t>
+                      </a:r>
+                    </a:p>
+                  </a:txBody>
+                  <a:tcPr marL="6350" marR="6350" marT="6350" marB="0" anchor="b"/>
+                </a:tc>
+                <a:tc>
+                  <a:txBody>
+                    <a:bodyPr/>
+                    <a:lstStyle/>
+                    <a:p>
+                      <a:pPr algn="l" fontAlgn="b"/>
+                      <a:r>
+                        <a:rPr lang="en-GB" sz="1100" u="none" strike="noStrike" dirty="0">
+                          <a:effectLst/>
+                          <a:highlight>
+                            <a:srgbClr val="FFFF00"/>
+                          </a:highlight>
+                        </a:rPr>
+                        <a:t>high</a:t>
+                      </a:r>
+                      <a:endParaRPr lang="en-GB" sz="1100" b="0" i="0" u="none" strike="noStrike" dirty="0">
+                        <a:solidFill>
+                          <a:srgbClr val="000000"/>
+                        </a:solidFill>
+                        <a:effectLst/>
+                        <a:highlight>
+                          <a:srgbClr val="FFFF00"/>
+                        </a:highlight>
+                        <a:latin typeface="Calibri" panose="020F0502020204030204" pitchFamily="34" charset="0"/>
+                      </a:endParaRPr>
+                    </a:p>
+                  </a:txBody>
+                  <a:tcPr marL="0" marR="0" marT="0" marB="0" anchor="b"/>
+                </a:tc>
+                <a:tc>
+                  <a:txBody>
+                    <a:bodyPr/>
+                    <a:lstStyle/>
+                    <a:p>
+                      <a:pPr algn="r" fontAlgn="b"/>
+                      <a:r>
+                        <a:rPr lang="en-GB" sz="1100" u="none" strike="noStrike">
+                          <a:effectLst/>
+                        </a:rPr>
+                        <a:t>8</a:t>
+                      </a:r>
+                      <a:endParaRPr lang="en-GB" sz="1100" b="0" i="0" u="none" strike="noStrike">
+                        <a:solidFill>
+                          <a:srgbClr val="000000"/>
+                        </a:solidFill>
+                        <a:effectLst/>
+                        <a:latin typeface="Calibri" panose="020F0502020204030204" pitchFamily="34" charset="0"/>
+                      </a:endParaRPr>
+                    </a:p>
+                  </a:txBody>
+                  <a:tcPr marL="0" marR="0" marT="0" marB="0" anchor="b"/>
+                </a:tc>
+                <a:extLst>
+                  <a:ext uri="{0D108BD9-81ED-4DB2-BD59-A6C34878D82A}">
+                    <a16:rowId xmlns:a16="http://schemas.microsoft.com/office/drawing/2014/main" val="2774187091"/>
+                  </a:ext>
+                </a:extLst>
+              </a:tr>
+              <a:tr h="335280">
+                <a:tc>
+                  <a:txBody>
+                    <a:bodyPr/>
+                    <a:lstStyle/>
+                    <a:p>
+                      <a:pPr algn="l" fontAlgn="b"/>
+                      <a:r>
+                        <a:rPr lang="en-GB" sz="1100" u="none" strike="noStrike" dirty="0">
+                          <a:effectLst/>
+                        </a:rPr>
+                        <a:t>8</a:t>
+                      </a:r>
+                      <a:endParaRPr lang="en-GB" sz="1100" b="0" i="0" u="none" strike="noStrike" dirty="0">
+                        <a:solidFill>
+                          <a:srgbClr val="000000"/>
+                        </a:solidFill>
+                        <a:effectLst/>
+                        <a:latin typeface="Calibri" panose="020F0502020204030204" pitchFamily="34" charset="0"/>
+                      </a:endParaRPr>
+                    </a:p>
+                  </a:txBody>
+                  <a:tcPr marL="0" marR="0" marT="0" marB="0" anchor="b"/>
+                </a:tc>
+                <a:tc>
+                  <a:txBody>
+                    <a:bodyPr/>
+                    <a:lstStyle/>
+                    <a:p>
+                      <a:pPr algn="l" fontAlgn="b"/>
+                      <a:r>
+                        <a:rPr lang="en-GB" sz="1100" b="1" u="none" strike="noStrike" dirty="0">
+                          <a:effectLst/>
+                          <a:highlight>
+                            <a:srgbClr val="FFFF00"/>
+                          </a:highlight>
+                        </a:rPr>
+                        <a:t>status medication preparation</a:t>
+                      </a:r>
+                      <a:endParaRPr lang="en-GB" sz="1100" b="1" i="0" u="none" strike="noStrike" dirty="0">
+                        <a:solidFill>
+                          <a:srgbClr val="000000"/>
+                        </a:solidFill>
+                        <a:effectLst/>
+                        <a:highlight>
+                          <a:srgbClr val="FFFF00"/>
+                        </a:highlight>
+                        <a:latin typeface="Calibri" panose="020F0502020204030204" pitchFamily="34" charset="0"/>
+                      </a:endParaRPr>
+                    </a:p>
+                  </a:txBody>
+                  <a:tcPr marL="0" marR="0" marT="0" marB="0" anchor="b"/>
+                </a:tc>
+                <a:tc>
+                  <a:txBody>
+                    <a:bodyPr/>
+                    <a:lstStyle/>
+                    <a:p>
+                      <a:pPr algn="l" fontAlgn="b"/>
+                      <a:r>
+                        <a:rPr lang="en-GB" sz="1100" b="0" i="0" u="none" strike="noStrike">
+                          <a:solidFill>
+                            <a:srgbClr val="000000"/>
+                          </a:solidFill>
+                          <a:effectLst/>
+                          <a:latin typeface="Calibri" panose="020F0502020204030204" pitchFamily="34" charset="0"/>
+                        </a:rPr>
+                        <a:t>As a user, I want  to see if I've already prepared a set of medicaments</a:t>
+                      </a:r>
+                    </a:p>
+                  </a:txBody>
+                  <a:tcPr marL="6350" marR="6350" marT="6350" marB="0" anchor="b"/>
+                </a:tc>
+                <a:tc>
+                  <a:txBody>
+                    <a:bodyPr/>
+                    <a:lstStyle/>
+                    <a:p>
+                      <a:pPr algn="l" fontAlgn="b"/>
+                      <a:r>
+                        <a:rPr lang="en-GB" sz="1100" u="none" strike="noStrike" dirty="0">
+                          <a:effectLst/>
+                          <a:highlight>
+                            <a:srgbClr val="FFFF00"/>
+                          </a:highlight>
+                        </a:rPr>
+                        <a:t>high</a:t>
+                      </a:r>
+                      <a:endParaRPr lang="en-GB" sz="1100" b="0" i="0" u="none" strike="noStrike" dirty="0">
+                        <a:solidFill>
+                          <a:srgbClr val="000000"/>
+                        </a:solidFill>
+                        <a:effectLst/>
+                        <a:highlight>
+                          <a:srgbClr val="FFFF00"/>
+                        </a:highlight>
+                        <a:latin typeface="Calibri" panose="020F0502020204030204" pitchFamily="34" charset="0"/>
+                      </a:endParaRPr>
+                    </a:p>
+                  </a:txBody>
+                  <a:tcPr marL="0" marR="0" marT="0" marB="0" anchor="b"/>
+                </a:tc>
+                <a:tc>
+                  <a:txBody>
+                    <a:bodyPr/>
+                    <a:lstStyle/>
+                    <a:p>
+                      <a:pPr algn="r" fontAlgn="b"/>
+                      <a:r>
+                        <a:rPr lang="en-GB" sz="1100" u="none" strike="noStrike">
+                          <a:effectLst/>
+                        </a:rPr>
+                        <a:t>16</a:t>
+                      </a:r>
+                      <a:endParaRPr lang="en-GB" sz="1100" b="0" i="0" u="none" strike="noStrike">
+                        <a:solidFill>
+                          <a:srgbClr val="000000"/>
+                        </a:solidFill>
+                        <a:effectLst/>
+                        <a:latin typeface="Calibri" panose="020F0502020204030204" pitchFamily="34" charset="0"/>
+                      </a:endParaRPr>
+                    </a:p>
+                  </a:txBody>
+                  <a:tcPr marL="0" marR="0" marT="0" marB="0" anchor="b"/>
+                </a:tc>
+                <a:extLst>
+                  <a:ext uri="{0D108BD9-81ED-4DB2-BD59-A6C34878D82A}">
+                    <a16:rowId xmlns:a16="http://schemas.microsoft.com/office/drawing/2014/main" val="677832189"/>
+                  </a:ext>
+                </a:extLst>
+              </a:tr>
+              <a:tr h="274320">
+                <a:tc>
+                  <a:txBody>
+                    <a:bodyPr/>
+                    <a:lstStyle/>
+                    <a:p>
+                      <a:pPr algn="l" fontAlgn="b"/>
+                      <a:r>
+                        <a:rPr lang="en-GB" sz="1100" u="none" strike="noStrike" dirty="0">
+                          <a:effectLst/>
+                        </a:rPr>
+                        <a:t>9</a:t>
+                      </a:r>
+                      <a:endParaRPr lang="en-GB" sz="1100" b="0" i="0" u="none" strike="noStrike" dirty="0">
+                        <a:solidFill>
+                          <a:srgbClr val="000000"/>
+                        </a:solidFill>
+                        <a:effectLst/>
+                        <a:latin typeface="Calibri" panose="020F0502020204030204" pitchFamily="34" charset="0"/>
+                      </a:endParaRPr>
+                    </a:p>
+                  </a:txBody>
+                  <a:tcPr marL="0" marR="0" marT="0" marB="0" anchor="b"/>
+                </a:tc>
+                <a:tc>
+                  <a:txBody>
+                    <a:bodyPr/>
+                    <a:lstStyle/>
+                    <a:p>
+                      <a:pPr algn="l" fontAlgn="b"/>
+                      <a:r>
+                        <a:rPr lang="en-GB" sz="1100" b="1" u="none" strike="noStrike" dirty="0">
+                          <a:effectLst/>
+                          <a:highlight>
+                            <a:srgbClr val="FFFF00"/>
+                          </a:highlight>
+                        </a:rPr>
+                        <a:t>status medications</a:t>
+                      </a:r>
+                      <a:endParaRPr lang="en-GB" sz="1100" b="1" i="0" u="none" strike="noStrike" dirty="0">
+                        <a:solidFill>
+                          <a:srgbClr val="000000"/>
+                        </a:solidFill>
+                        <a:effectLst/>
+                        <a:highlight>
+                          <a:srgbClr val="FFFF00"/>
+                        </a:highlight>
+                        <a:latin typeface="Calibri" panose="020F0502020204030204" pitchFamily="34" charset="0"/>
+                      </a:endParaRPr>
+                    </a:p>
+                  </a:txBody>
+                  <a:tcPr marL="0" marR="0" marT="0" marB="0" anchor="b"/>
+                </a:tc>
+                <a:tc>
+                  <a:txBody>
+                    <a:bodyPr/>
+                    <a:lstStyle/>
+                    <a:p>
+                      <a:pPr algn="l" fontAlgn="b"/>
+                      <a:r>
+                        <a:rPr lang="en-GB" sz="1100" b="0" i="0" u="none" strike="noStrike">
+                          <a:solidFill>
+                            <a:srgbClr val="000000"/>
+                          </a:solidFill>
+                          <a:effectLst/>
+                          <a:latin typeface="Calibri" panose="020F0502020204030204" pitchFamily="34" charset="0"/>
+                        </a:rPr>
+                        <a:t>As a user, I want to check medication</a:t>
+                      </a:r>
+                    </a:p>
+                  </a:txBody>
+                  <a:tcPr marL="6350" marR="6350" marT="6350" marB="0" anchor="b"/>
+                </a:tc>
+                <a:tc>
+                  <a:txBody>
+                    <a:bodyPr/>
+                    <a:lstStyle/>
+                    <a:p>
+                      <a:pPr algn="l" fontAlgn="b"/>
+                      <a:r>
+                        <a:rPr lang="en-GB" sz="1100" u="none" strike="noStrike" dirty="0">
+                          <a:effectLst/>
+                          <a:highlight>
+                            <a:srgbClr val="FFFF00"/>
+                          </a:highlight>
+                        </a:rPr>
+                        <a:t>high</a:t>
+                      </a:r>
+                      <a:endParaRPr lang="en-GB" sz="1100" b="0" i="0" u="none" strike="noStrike" dirty="0">
+                        <a:solidFill>
+                          <a:srgbClr val="000000"/>
+                        </a:solidFill>
+                        <a:effectLst/>
+                        <a:highlight>
+                          <a:srgbClr val="FFFF00"/>
+                        </a:highlight>
+                        <a:latin typeface="Calibri" panose="020F0502020204030204" pitchFamily="34" charset="0"/>
+                      </a:endParaRPr>
+                    </a:p>
+                  </a:txBody>
+                  <a:tcPr marL="0" marR="0" marT="0" marB="0" anchor="b"/>
+                </a:tc>
+                <a:tc>
+                  <a:txBody>
+                    <a:bodyPr/>
+                    <a:lstStyle/>
+                    <a:p>
+                      <a:pPr algn="r" fontAlgn="b"/>
+                      <a:r>
+                        <a:rPr lang="en-GB" sz="1100" u="none" strike="noStrike">
+                          <a:effectLst/>
+                        </a:rPr>
+                        <a:t>16</a:t>
+                      </a:r>
+                      <a:endParaRPr lang="en-GB" sz="1100" b="0" i="0" u="none" strike="noStrike">
+                        <a:solidFill>
+                          <a:srgbClr val="000000"/>
+                        </a:solidFill>
+                        <a:effectLst/>
+                        <a:latin typeface="Calibri" panose="020F0502020204030204" pitchFamily="34" charset="0"/>
+                      </a:endParaRPr>
+                    </a:p>
+                  </a:txBody>
+                  <a:tcPr marL="0" marR="0" marT="0" marB="0" anchor="b"/>
+                </a:tc>
+                <a:extLst>
+                  <a:ext uri="{0D108BD9-81ED-4DB2-BD59-A6C34878D82A}">
+                    <a16:rowId xmlns:a16="http://schemas.microsoft.com/office/drawing/2014/main" val="3968481228"/>
+                  </a:ext>
+                </a:extLst>
+              </a:tr>
+              <a:tr h="274320">
+                <a:tc>
+                  <a:txBody>
+                    <a:bodyPr/>
+                    <a:lstStyle/>
+                    <a:p>
+                      <a:pPr algn="l" fontAlgn="t"/>
+                      <a:r>
+                        <a:rPr lang="en-GB" sz="1100" u="none" strike="noStrike">
+                          <a:effectLst/>
+                        </a:rPr>
+                        <a:t>10</a:t>
+                      </a:r>
+                      <a:endParaRPr lang="en-GB" sz="1100" b="0" i="0" u="none" strike="noStrike">
+                        <a:solidFill>
+                          <a:srgbClr val="000000"/>
+                        </a:solidFill>
+                        <a:effectLst/>
+                        <a:latin typeface="Calibri" panose="020F0502020204030204" pitchFamily="34" charset="0"/>
+                      </a:endParaRPr>
+                    </a:p>
+                  </a:txBody>
+                  <a:tcPr marL="0" marR="0" marT="0" marB="0"/>
+                </a:tc>
+                <a:tc>
+                  <a:txBody>
+                    <a:bodyPr/>
+                    <a:lstStyle/>
+                    <a:p>
+                      <a:pPr algn="l" fontAlgn="b"/>
+                      <a:r>
+                        <a:rPr lang="en-GB" sz="1100" b="1" u="none" strike="noStrike">
+                          <a:effectLst/>
+                        </a:rPr>
+                        <a:t>clock for schedule view</a:t>
+                      </a:r>
+                      <a:endParaRPr lang="en-GB" sz="1100" b="1" i="0" u="none" strike="noStrike">
+                        <a:solidFill>
+                          <a:srgbClr val="000000"/>
+                        </a:solidFill>
+                        <a:effectLst/>
+                        <a:latin typeface="Calibri" panose="020F0502020204030204" pitchFamily="34" charset="0"/>
+                      </a:endParaRPr>
+                    </a:p>
+                  </a:txBody>
+                  <a:tcPr marL="0" marR="0" marT="0" marB="0" anchor="b"/>
+                </a:tc>
+                <a:tc>
+                  <a:txBody>
+                    <a:bodyPr/>
+                    <a:lstStyle/>
+                    <a:p>
+                      <a:pPr algn="l" fontAlgn="b"/>
+                      <a:r>
+                        <a:rPr lang="en-GB" sz="1100" b="0" i="0" u="none" strike="noStrike">
+                          <a:solidFill>
+                            <a:srgbClr val="000000"/>
+                          </a:solidFill>
+                          <a:effectLst/>
+                          <a:latin typeface="Calibri" panose="020F0502020204030204" pitchFamily="34" charset="0"/>
+                        </a:rPr>
+                        <a:t>As a user, I want to see the time on the schedule view</a:t>
+                      </a:r>
+                    </a:p>
+                  </a:txBody>
+                  <a:tcPr marL="6350" marR="6350" marT="6350" marB="0" anchor="b"/>
+                </a:tc>
+                <a:tc>
+                  <a:txBody>
+                    <a:bodyPr/>
+                    <a:lstStyle/>
+                    <a:p>
+                      <a:pPr algn="l" fontAlgn="b"/>
+                      <a:r>
+                        <a:rPr lang="en-GB" sz="1100" u="none" strike="noStrike">
+                          <a:effectLst/>
+                        </a:rPr>
+                        <a:t>low</a:t>
+                      </a:r>
+                      <a:endParaRPr lang="en-GB" sz="1100" b="0" i="0" u="none" strike="noStrike">
+                        <a:solidFill>
+                          <a:srgbClr val="000000"/>
+                        </a:solidFill>
+                        <a:effectLst/>
+                        <a:latin typeface="Calibri" panose="020F0502020204030204" pitchFamily="34" charset="0"/>
+                      </a:endParaRPr>
+                    </a:p>
+                  </a:txBody>
+                  <a:tcPr marL="0" marR="0" marT="0" marB="0" anchor="b"/>
+                </a:tc>
+                <a:tc>
+                  <a:txBody>
+                    <a:bodyPr/>
+                    <a:lstStyle/>
+                    <a:p>
+                      <a:pPr algn="r" fontAlgn="b"/>
+                      <a:r>
+                        <a:rPr lang="en-GB" sz="1100" u="none" strike="noStrike">
+                          <a:effectLst/>
+                        </a:rPr>
+                        <a:t>8</a:t>
+                      </a:r>
+                      <a:endParaRPr lang="en-GB" sz="1100" b="0" i="0" u="none" strike="noStrike">
+                        <a:solidFill>
+                          <a:srgbClr val="000000"/>
+                        </a:solidFill>
+                        <a:effectLst/>
+                        <a:latin typeface="Calibri" panose="020F0502020204030204" pitchFamily="34" charset="0"/>
+                      </a:endParaRPr>
+                    </a:p>
+                  </a:txBody>
+                  <a:tcPr marL="0" marR="0" marT="0" marB="0" anchor="b"/>
+                </a:tc>
+                <a:extLst>
+                  <a:ext uri="{0D108BD9-81ED-4DB2-BD59-A6C34878D82A}">
+                    <a16:rowId xmlns:a16="http://schemas.microsoft.com/office/drawing/2014/main" val="32122706"/>
+                  </a:ext>
+                </a:extLst>
+              </a:tr>
+              <a:tr h="274320">
+                <a:tc>
+                  <a:txBody>
+                    <a:bodyPr/>
+                    <a:lstStyle/>
+                    <a:p>
+                      <a:pPr algn="l" fontAlgn="b"/>
+                      <a:r>
+                        <a:rPr lang="en-GB" sz="1100" u="none" strike="noStrike">
+                          <a:effectLst/>
+                        </a:rPr>
+                        <a:t>11</a:t>
+                      </a:r>
+                      <a:endParaRPr lang="en-GB" sz="1100" b="0" i="0" u="none" strike="noStrike">
+                        <a:solidFill>
+                          <a:srgbClr val="000000"/>
+                        </a:solidFill>
+                        <a:effectLst/>
+                        <a:latin typeface="Calibri" panose="020F0502020204030204" pitchFamily="34" charset="0"/>
+                      </a:endParaRPr>
+                    </a:p>
+                  </a:txBody>
+                  <a:tcPr marL="0" marR="0" marT="0" marB="0" anchor="b"/>
+                </a:tc>
+                <a:tc>
+                  <a:txBody>
+                    <a:bodyPr/>
+                    <a:lstStyle/>
+                    <a:p>
+                      <a:pPr algn="l" fontAlgn="b"/>
+                      <a:r>
+                        <a:rPr lang="en-GB" sz="1100" b="1" u="none" strike="noStrike" dirty="0">
+                          <a:effectLst/>
+                        </a:rPr>
+                        <a:t>synchronize</a:t>
+                      </a:r>
+                      <a:endParaRPr lang="en-GB" sz="1100" b="1" i="0" u="none" strike="noStrike" dirty="0">
+                        <a:solidFill>
+                          <a:srgbClr val="000000"/>
+                        </a:solidFill>
+                        <a:effectLst/>
+                        <a:latin typeface="Calibri" panose="020F0502020204030204" pitchFamily="34" charset="0"/>
+                      </a:endParaRPr>
+                    </a:p>
+                  </a:txBody>
+                  <a:tcPr marL="0" marR="0" marT="0" marB="0" anchor="b"/>
+                </a:tc>
+                <a:tc>
+                  <a:txBody>
+                    <a:bodyPr/>
+                    <a:lstStyle/>
+                    <a:p>
+                      <a:pPr algn="l" fontAlgn="b"/>
+                      <a:r>
+                        <a:rPr lang="en-GB" sz="1100" b="0" i="0" u="none" strike="noStrike">
+                          <a:solidFill>
+                            <a:srgbClr val="000000"/>
+                          </a:solidFill>
+                          <a:effectLst/>
+                          <a:latin typeface="Calibri" panose="020F0502020204030204" pitchFamily="34" charset="0"/>
+                        </a:rPr>
+                        <a:t>As a user, I want to have an option to update data</a:t>
+                      </a:r>
+                    </a:p>
+                  </a:txBody>
+                  <a:tcPr marL="6350" marR="6350" marT="6350" marB="0" anchor="b"/>
+                </a:tc>
+                <a:tc>
+                  <a:txBody>
+                    <a:bodyPr/>
+                    <a:lstStyle/>
+                    <a:p>
+                      <a:pPr algn="l" fontAlgn="b"/>
+                      <a:r>
+                        <a:rPr lang="en-GB" sz="1100" u="none" strike="noStrike">
+                          <a:effectLst/>
+                        </a:rPr>
+                        <a:t>low</a:t>
+                      </a:r>
+                      <a:endParaRPr lang="en-GB" sz="1100" b="0" i="0" u="none" strike="noStrike">
+                        <a:solidFill>
+                          <a:srgbClr val="000000"/>
+                        </a:solidFill>
+                        <a:effectLst/>
+                        <a:latin typeface="Calibri" panose="020F0502020204030204" pitchFamily="34" charset="0"/>
+                      </a:endParaRPr>
+                    </a:p>
+                  </a:txBody>
+                  <a:tcPr marL="0" marR="0" marT="0" marB="0" anchor="b"/>
+                </a:tc>
+                <a:tc>
+                  <a:txBody>
+                    <a:bodyPr/>
+                    <a:lstStyle/>
+                    <a:p>
+                      <a:pPr algn="r" fontAlgn="b"/>
+                      <a:r>
+                        <a:rPr lang="en-GB" sz="1100" u="none" strike="noStrike">
+                          <a:effectLst/>
+                        </a:rPr>
+                        <a:t>16</a:t>
+                      </a:r>
+                      <a:endParaRPr lang="en-GB" sz="1100" b="0" i="0" u="none" strike="noStrike">
+                        <a:solidFill>
+                          <a:srgbClr val="000000"/>
+                        </a:solidFill>
+                        <a:effectLst/>
+                        <a:latin typeface="Calibri" panose="020F0502020204030204" pitchFamily="34" charset="0"/>
+                      </a:endParaRPr>
+                    </a:p>
+                  </a:txBody>
+                  <a:tcPr marL="0" marR="0" marT="0" marB="0" anchor="b"/>
+                </a:tc>
+                <a:extLst>
+                  <a:ext uri="{0D108BD9-81ED-4DB2-BD59-A6C34878D82A}">
+                    <a16:rowId xmlns:a16="http://schemas.microsoft.com/office/drawing/2014/main" val="1037485256"/>
+                  </a:ext>
+                </a:extLst>
+              </a:tr>
+              <a:tr h="335280">
+                <a:tc>
+                  <a:txBody>
+                    <a:bodyPr/>
+                    <a:lstStyle/>
+                    <a:p>
+                      <a:pPr algn="l" fontAlgn="b"/>
+                      <a:r>
+                        <a:rPr lang="en-GB" sz="1100" u="none" strike="noStrike" dirty="0">
+                          <a:effectLst/>
+                        </a:rPr>
+                        <a:t>12</a:t>
+                      </a:r>
+                      <a:endParaRPr lang="en-GB" sz="1100" b="0" i="0" u="none" strike="noStrike" dirty="0">
+                        <a:solidFill>
+                          <a:srgbClr val="000000"/>
+                        </a:solidFill>
+                        <a:effectLst/>
+                        <a:latin typeface="Calibri" panose="020F0502020204030204" pitchFamily="34" charset="0"/>
+                      </a:endParaRPr>
+                    </a:p>
+                  </a:txBody>
+                  <a:tcPr marL="0" marR="0" marT="0" marB="0" anchor="b"/>
+                </a:tc>
+                <a:tc>
+                  <a:txBody>
+                    <a:bodyPr/>
+                    <a:lstStyle/>
+                    <a:p>
+                      <a:pPr algn="l" fontAlgn="b"/>
+                      <a:r>
+                        <a:rPr lang="en-GB" sz="1100" b="1" u="none" strike="noStrike" dirty="0">
+                          <a:effectLst/>
+                        </a:rPr>
+                        <a:t>alarm</a:t>
+                      </a:r>
+                      <a:endParaRPr lang="en-GB" sz="1100" b="1" i="0" u="none" strike="noStrike" dirty="0">
+                        <a:solidFill>
+                          <a:srgbClr val="000000"/>
+                        </a:solidFill>
+                        <a:effectLst/>
+                        <a:latin typeface="Calibri" panose="020F0502020204030204" pitchFamily="34" charset="0"/>
+                      </a:endParaRPr>
+                    </a:p>
+                  </a:txBody>
+                  <a:tcPr marL="0" marR="0" marT="0" marB="0" anchor="b"/>
+                </a:tc>
+                <a:tc>
+                  <a:txBody>
+                    <a:bodyPr/>
+                    <a:lstStyle/>
+                    <a:p>
+                      <a:pPr algn="l" fontAlgn="b"/>
+                      <a:r>
+                        <a:rPr lang="en-GB" sz="1100" b="0" i="0" u="none" strike="noStrike" dirty="0">
+                          <a:solidFill>
+                            <a:srgbClr val="000000"/>
+                          </a:solidFill>
+                          <a:effectLst/>
+                          <a:latin typeface="Calibri" panose="020F0502020204030204" pitchFamily="34" charset="0"/>
+                        </a:rPr>
+                        <a:t>As a user, I want to inform co-workers if a patient behaves aggressively</a:t>
+                      </a:r>
+                    </a:p>
+                  </a:txBody>
+                  <a:tcPr marL="6350" marR="6350" marT="6350" marB="0" anchor="b"/>
+                </a:tc>
+                <a:tc>
+                  <a:txBody>
+                    <a:bodyPr/>
+                    <a:lstStyle/>
+                    <a:p>
+                      <a:pPr algn="l" fontAlgn="b"/>
+                      <a:r>
+                        <a:rPr lang="en-GB" sz="1100" u="none" strike="noStrike">
+                          <a:effectLst/>
+                        </a:rPr>
+                        <a:t>low</a:t>
+                      </a:r>
+                      <a:endParaRPr lang="en-GB" sz="1100" b="0" i="0" u="none" strike="noStrike">
+                        <a:solidFill>
+                          <a:srgbClr val="000000"/>
+                        </a:solidFill>
+                        <a:effectLst/>
+                        <a:latin typeface="Calibri" panose="020F0502020204030204" pitchFamily="34" charset="0"/>
+                      </a:endParaRPr>
+                    </a:p>
+                  </a:txBody>
+                  <a:tcPr marL="0" marR="0" marT="0" marB="0" anchor="b"/>
+                </a:tc>
+                <a:tc>
+                  <a:txBody>
+                    <a:bodyPr/>
+                    <a:lstStyle/>
+                    <a:p>
+                      <a:pPr algn="r" fontAlgn="b"/>
+                      <a:r>
+                        <a:rPr lang="en-GB" sz="1100" u="none" strike="noStrike" dirty="0">
+                          <a:effectLst/>
+                        </a:rPr>
+                        <a:t>12</a:t>
+                      </a:r>
+                      <a:endParaRPr lang="en-GB" sz="1100" b="0" i="0" u="none" strike="noStrike" dirty="0">
+                        <a:solidFill>
+                          <a:srgbClr val="000000"/>
+                        </a:solidFill>
+                        <a:effectLst/>
+                        <a:latin typeface="Calibri" panose="020F0502020204030204" pitchFamily="34" charset="0"/>
+                      </a:endParaRPr>
+                    </a:p>
+                  </a:txBody>
+                  <a:tcPr marL="0" marR="0" marT="0" marB="0" anchor="b"/>
+                </a:tc>
+                <a:extLst>
+                  <a:ext uri="{0D108BD9-81ED-4DB2-BD59-A6C34878D82A}">
+                    <a16:rowId xmlns:a16="http://schemas.microsoft.com/office/drawing/2014/main" val="2412918733"/>
+                  </a:ext>
+                </a:extLst>
+              </a:tr>
+            </a:tbl>
+          </a:graphicData>
+        </a:graphic>
+      </p:graphicFrame>
     </p:spTree>
     <p:extLst>
       <p:ext uri="{BB962C8B-B14F-4D97-AF65-F5344CB8AC3E}">
@@ -7654,7 +9443,7 @@
       </p:grpSpPr>
       <p:sp>
         <p:nvSpPr>
-          <p:cNvPr id="8194" name="Titel 1"/>
+          <p:cNvPr id="3" name="Title 2"/>
           <p:cNvSpPr>
             <a:spLocks noGrp="1"/>
           </p:cNvSpPr>
@@ -7662,104 +9451,1586 @@
             <p:ph type="ctrTitle"/>
           </p:nvPr>
         </p:nvSpPr>
-        <p:spPr bwMode="auto">
+        <p:spPr/>
+        <p:txBody>
+          <a:bodyPr/>
+          <a:lstStyle/>
+          <a:p>
+            <a:r>
+              <a:rPr lang="en-GB" dirty="0"/>
+              <a:t>Scrum, Sprint Backlog</a:t>
+            </a:r>
+          </a:p>
+        </p:txBody>
+      </p:sp>
+      <p:graphicFrame>
+        <p:nvGraphicFramePr>
+          <p:cNvPr id="6" name="Content Placeholder 5"/>
+          <p:cNvGraphicFramePr>
+            <a:graphicFrameLocks noGrp="1"/>
+          </p:cNvGraphicFramePr>
+          <p:nvPr>
+            <p:ph sz="half" idx="1"/>
+            <p:extLst>
+              <p:ext uri="{D42A27DB-BD31-4B8C-83A1-F6EECF244321}">
+                <p14:modId xmlns:p14="http://schemas.microsoft.com/office/powerpoint/2010/main" val="1620798550"/>
+              </p:ext>
+            </p:extLst>
+          </p:nvPr>
+        </p:nvGraphicFramePr>
+        <p:xfrm>
+          <a:off x="330201" y="1905002"/>
+          <a:ext cx="11423650" cy="2649537"/>
+        </p:xfrm>
+        <a:graphic>
+          <a:graphicData uri="http://schemas.openxmlformats.org/drawingml/2006/table">
+            <a:tbl>
+              <a:tblPr>
+                <a:tableStyleId>{5C22544A-7EE6-4342-B048-85BDC9FD1C3A}</a:tableStyleId>
+              </a:tblPr>
+              <a:tblGrid>
+                <a:gridCol w="388461">
+                  <a:extLst>
+                    <a:ext uri="{9D8B030D-6E8A-4147-A177-3AD203B41FA5}">
+                      <a16:colId xmlns:a16="http://schemas.microsoft.com/office/drawing/2014/main" val="3783338083"/>
+                    </a:ext>
+                  </a:extLst>
+                </a:gridCol>
+                <a:gridCol w="489174">
+                  <a:extLst>
+                    <a:ext uri="{9D8B030D-6E8A-4147-A177-3AD203B41FA5}">
+                      <a16:colId xmlns:a16="http://schemas.microsoft.com/office/drawing/2014/main" val="2064587161"/>
+                    </a:ext>
+                  </a:extLst>
+                </a:gridCol>
+                <a:gridCol w="1582622">
+                  <a:extLst>
+                    <a:ext uri="{9D8B030D-6E8A-4147-A177-3AD203B41FA5}">
+                      <a16:colId xmlns:a16="http://schemas.microsoft.com/office/drawing/2014/main" val="2015926220"/>
+                    </a:ext>
+                  </a:extLst>
+                </a:gridCol>
+                <a:gridCol w="3956553">
+                  <a:extLst>
+                    <a:ext uri="{9D8B030D-6E8A-4147-A177-3AD203B41FA5}">
+                      <a16:colId xmlns:a16="http://schemas.microsoft.com/office/drawing/2014/main" val="2568514140"/>
+                    </a:ext>
+                  </a:extLst>
+                </a:gridCol>
+                <a:gridCol w="1784046">
+                  <a:extLst>
+                    <a:ext uri="{9D8B030D-6E8A-4147-A177-3AD203B41FA5}">
+                      <a16:colId xmlns:a16="http://schemas.microsoft.com/office/drawing/2014/main" val="8038950"/>
+                    </a:ext>
+                  </a:extLst>
+                </a:gridCol>
+                <a:gridCol w="1150997">
+                  <a:extLst>
+                    <a:ext uri="{9D8B030D-6E8A-4147-A177-3AD203B41FA5}">
+                      <a16:colId xmlns:a16="http://schemas.microsoft.com/office/drawing/2014/main" val="1089089409"/>
+                    </a:ext>
+                  </a:extLst>
+                </a:gridCol>
+                <a:gridCol w="776924">
+                  <a:extLst>
+                    <a:ext uri="{9D8B030D-6E8A-4147-A177-3AD203B41FA5}">
+                      <a16:colId xmlns:a16="http://schemas.microsoft.com/office/drawing/2014/main" val="2056939617"/>
+                    </a:ext>
+                  </a:extLst>
+                </a:gridCol>
+                <a:gridCol w="661824">
+                  <a:extLst>
+                    <a:ext uri="{9D8B030D-6E8A-4147-A177-3AD203B41FA5}">
+                      <a16:colId xmlns:a16="http://schemas.microsoft.com/office/drawing/2014/main" val="1219136920"/>
+                    </a:ext>
+                  </a:extLst>
+                </a:gridCol>
+                <a:gridCol w="633049">
+                  <a:extLst>
+                    <a:ext uri="{9D8B030D-6E8A-4147-A177-3AD203B41FA5}">
+                      <a16:colId xmlns:a16="http://schemas.microsoft.com/office/drawing/2014/main" val="1635928883"/>
+                    </a:ext>
+                  </a:extLst>
+                </a:gridCol>
+              </a:tblGrid>
+              <a:tr h="883179">
+                <a:tc>
+                  <a:txBody>
+                    <a:bodyPr/>
+                    <a:lstStyle/>
+                    <a:p>
+                      <a:pPr algn="l" fontAlgn="t"/>
+                      <a:r>
+                        <a:rPr lang="en-GB" sz="1100" u="none" strike="noStrike">
+                          <a:effectLst/>
+                        </a:rPr>
+                        <a:t>ID</a:t>
+                      </a:r>
+                      <a:endParaRPr lang="en-GB" sz="1100" b="1" i="0" u="none" strike="noStrike">
+                        <a:solidFill>
+                          <a:srgbClr val="FFFFFF"/>
+                        </a:solidFill>
+                        <a:effectLst/>
+                        <a:latin typeface="Calibri" panose="020F0502020204030204" pitchFamily="34" charset="0"/>
+                      </a:endParaRPr>
+                    </a:p>
+                  </a:txBody>
+                  <a:tcPr marL="6350" marR="6350" marT="6350" marB="0"/>
+                </a:tc>
+                <a:tc>
+                  <a:txBody>
+                    <a:bodyPr/>
+                    <a:lstStyle/>
+                    <a:p>
+                      <a:pPr algn="l" fontAlgn="t"/>
+                      <a:r>
+                        <a:rPr lang="en-GB" sz="1100" u="none" strike="noStrike">
+                          <a:effectLst/>
+                        </a:rPr>
+                        <a:t>Sprint</a:t>
+                      </a:r>
+                      <a:endParaRPr lang="en-GB" sz="1100" b="1" i="0" u="none" strike="noStrike">
+                        <a:solidFill>
+                          <a:srgbClr val="FFFFFF"/>
+                        </a:solidFill>
+                        <a:effectLst/>
+                        <a:latin typeface="Calibri" panose="020F0502020204030204" pitchFamily="34" charset="0"/>
+                      </a:endParaRPr>
+                    </a:p>
+                  </a:txBody>
+                  <a:tcPr marL="6350" marR="6350" marT="6350" marB="0"/>
+                </a:tc>
+                <a:tc>
+                  <a:txBody>
+                    <a:bodyPr/>
+                    <a:lstStyle/>
+                    <a:p>
+                      <a:pPr algn="l" fontAlgn="t"/>
+                      <a:r>
+                        <a:rPr lang="en-GB" sz="1100" u="none" strike="noStrike">
+                          <a:effectLst/>
+                        </a:rPr>
+                        <a:t>Name</a:t>
+                      </a:r>
+                      <a:endParaRPr lang="en-GB" sz="1100" b="1" i="0" u="none" strike="noStrike">
+                        <a:solidFill>
+                          <a:srgbClr val="FFFFFF"/>
+                        </a:solidFill>
+                        <a:effectLst/>
+                        <a:latin typeface="Calibri" panose="020F0502020204030204" pitchFamily="34" charset="0"/>
+                      </a:endParaRPr>
+                    </a:p>
+                  </a:txBody>
+                  <a:tcPr marL="6350" marR="6350" marT="6350" marB="0"/>
+                </a:tc>
+                <a:tc>
+                  <a:txBody>
+                    <a:bodyPr/>
+                    <a:lstStyle/>
+                    <a:p>
+                      <a:pPr algn="l" fontAlgn="t"/>
+                      <a:r>
+                        <a:rPr lang="en-GB" sz="1100" u="none" strike="noStrike">
+                          <a:effectLst/>
+                        </a:rPr>
+                        <a:t>Description</a:t>
+                      </a:r>
+                      <a:endParaRPr lang="en-GB" sz="1100" b="1" i="0" u="none" strike="noStrike">
+                        <a:solidFill>
+                          <a:srgbClr val="FFFFFF"/>
+                        </a:solidFill>
+                        <a:effectLst/>
+                        <a:latin typeface="Calibri" panose="020F0502020204030204" pitchFamily="34" charset="0"/>
+                      </a:endParaRPr>
+                    </a:p>
+                  </a:txBody>
+                  <a:tcPr marL="6350" marR="6350" marT="6350" marB="0"/>
+                </a:tc>
+                <a:tc>
+                  <a:txBody>
+                    <a:bodyPr/>
+                    <a:lstStyle/>
+                    <a:p>
+                      <a:pPr algn="l" fontAlgn="t"/>
+                      <a:r>
+                        <a:rPr lang="en-GB" sz="1100" u="none" strike="noStrike">
+                          <a:effectLst/>
+                        </a:rPr>
+                        <a:t>Components</a:t>
+                      </a:r>
+                      <a:endParaRPr lang="en-GB" sz="1100" b="1" i="0" u="none" strike="noStrike">
+                        <a:solidFill>
+                          <a:srgbClr val="FFFFFF"/>
+                        </a:solidFill>
+                        <a:effectLst/>
+                        <a:latin typeface="Calibri" panose="020F0502020204030204" pitchFamily="34" charset="0"/>
+                      </a:endParaRPr>
+                    </a:p>
+                  </a:txBody>
+                  <a:tcPr marL="6350" marR="6350" marT="6350" marB="0"/>
+                </a:tc>
+                <a:tc>
+                  <a:txBody>
+                    <a:bodyPr/>
+                    <a:lstStyle/>
+                    <a:p>
+                      <a:pPr algn="l" fontAlgn="t"/>
+                      <a:r>
+                        <a:rPr lang="en-GB" sz="1100" u="none" strike="noStrike">
+                          <a:effectLst/>
+                        </a:rPr>
+                        <a:t>Owner</a:t>
+                      </a:r>
+                      <a:endParaRPr lang="en-GB" sz="1100" b="1" i="0" u="none" strike="noStrike">
+                        <a:solidFill>
+                          <a:srgbClr val="FFFFFF"/>
+                        </a:solidFill>
+                        <a:effectLst/>
+                        <a:latin typeface="Calibri" panose="020F0502020204030204" pitchFamily="34" charset="0"/>
+                      </a:endParaRPr>
+                    </a:p>
+                  </a:txBody>
+                  <a:tcPr marL="6350" marR="6350" marT="6350" marB="0"/>
+                </a:tc>
+                <a:tc>
+                  <a:txBody>
+                    <a:bodyPr/>
+                    <a:lstStyle/>
+                    <a:p>
+                      <a:pPr algn="l" fontAlgn="t"/>
+                      <a:r>
+                        <a:rPr lang="en-GB" sz="1100" u="none" strike="noStrike">
+                          <a:effectLst/>
+                        </a:rPr>
+                        <a:t>Reviewer</a:t>
+                      </a:r>
+                      <a:endParaRPr lang="en-GB" sz="1100" b="1" i="0" u="none" strike="noStrike">
+                        <a:solidFill>
+                          <a:srgbClr val="FFFFFF"/>
+                        </a:solidFill>
+                        <a:effectLst/>
+                        <a:latin typeface="Calibri" panose="020F0502020204030204" pitchFamily="34" charset="0"/>
+                      </a:endParaRPr>
+                    </a:p>
+                  </a:txBody>
+                  <a:tcPr marL="6350" marR="6350" marT="6350" marB="0"/>
+                </a:tc>
+                <a:tc>
+                  <a:txBody>
+                    <a:bodyPr/>
+                    <a:lstStyle/>
+                    <a:p>
+                      <a:pPr algn="l" fontAlgn="t"/>
+                      <a:r>
+                        <a:rPr lang="en-GB" sz="1100" u="none" strike="noStrike">
+                          <a:effectLst/>
+                        </a:rPr>
+                        <a:t>Priority </a:t>
+                      </a:r>
+                      <a:endParaRPr lang="en-GB" sz="1100" b="1" i="0" u="none" strike="noStrike">
+                        <a:solidFill>
+                          <a:srgbClr val="FFFFFF"/>
+                        </a:solidFill>
+                        <a:effectLst/>
+                        <a:latin typeface="Calibri" panose="020F0502020204030204" pitchFamily="34" charset="0"/>
+                      </a:endParaRPr>
+                    </a:p>
+                  </a:txBody>
+                  <a:tcPr marL="6350" marR="6350" marT="6350" marB="0"/>
+                </a:tc>
+                <a:tc>
+                  <a:txBody>
+                    <a:bodyPr/>
+                    <a:lstStyle/>
+                    <a:p>
+                      <a:pPr algn="l" fontAlgn="t"/>
+                      <a:r>
+                        <a:rPr lang="en-GB" sz="1100" u="none" strike="noStrike">
+                          <a:effectLst/>
+                        </a:rPr>
+                        <a:t>Effort Plan Original</a:t>
+                      </a:r>
+                      <a:endParaRPr lang="en-GB" sz="1100" b="1" i="0" u="none" strike="noStrike">
+                        <a:solidFill>
+                          <a:srgbClr val="FFFFFF"/>
+                        </a:solidFill>
+                        <a:effectLst/>
+                        <a:latin typeface="Calibri" panose="020F0502020204030204" pitchFamily="34" charset="0"/>
+                      </a:endParaRPr>
+                    </a:p>
+                  </a:txBody>
+                  <a:tcPr marL="6350" marR="6350" marT="6350" marB="0"/>
+                </a:tc>
+                <a:extLst>
+                  <a:ext uri="{0D108BD9-81ED-4DB2-BD59-A6C34878D82A}">
+                    <a16:rowId xmlns:a16="http://schemas.microsoft.com/office/drawing/2014/main" val="1123520143"/>
+                  </a:ext>
+                </a:extLst>
+              </a:tr>
+              <a:tr h="588786">
+                <a:tc>
+                  <a:txBody>
+                    <a:bodyPr/>
+                    <a:lstStyle/>
+                    <a:p>
+                      <a:pPr algn="r" fontAlgn="b"/>
+                      <a:r>
+                        <a:rPr lang="en-GB" sz="1100" u="none" strike="noStrike">
+                          <a:effectLst/>
+                        </a:rPr>
+                        <a:t>1.1</a:t>
+                      </a:r>
+                      <a:endParaRPr lang="en-GB" sz="1100" b="0" i="0" u="none" strike="noStrike">
+                        <a:solidFill>
+                          <a:srgbClr val="000000"/>
+                        </a:solidFill>
+                        <a:effectLst/>
+                        <a:latin typeface="Calibri" panose="020F0502020204030204" pitchFamily="34" charset="0"/>
+                      </a:endParaRPr>
+                    </a:p>
+                  </a:txBody>
+                  <a:tcPr marL="6350" marR="6350" marT="6350" marB="0" anchor="b"/>
+                </a:tc>
+                <a:tc>
+                  <a:txBody>
+                    <a:bodyPr/>
+                    <a:lstStyle/>
+                    <a:p>
+                      <a:pPr algn="r" fontAlgn="b"/>
+                      <a:r>
+                        <a:rPr lang="en-GB" sz="1100" u="none" strike="noStrike">
+                          <a:effectLst/>
+                        </a:rPr>
+                        <a:t>1</a:t>
+                      </a:r>
+                      <a:endParaRPr lang="en-GB" sz="1100" b="0" i="0" u="none" strike="noStrike">
+                        <a:solidFill>
+                          <a:srgbClr val="000000"/>
+                        </a:solidFill>
+                        <a:effectLst/>
+                        <a:latin typeface="Calibri" panose="020F0502020204030204" pitchFamily="34" charset="0"/>
+                      </a:endParaRPr>
+                    </a:p>
+                  </a:txBody>
+                  <a:tcPr marL="6350" marR="6350" marT="6350" marB="0" anchor="b"/>
+                </a:tc>
+                <a:tc>
+                  <a:txBody>
+                    <a:bodyPr/>
+                    <a:lstStyle/>
+                    <a:p>
+                      <a:pPr algn="l" fontAlgn="b"/>
+                      <a:r>
+                        <a:rPr lang="en-GB" sz="1100" u="none" strike="noStrike">
+                          <a:effectLst/>
+                        </a:rPr>
+                        <a:t>Database</a:t>
+                      </a:r>
+                      <a:endParaRPr lang="en-GB" sz="1100" b="0" i="0" u="none" strike="noStrike">
+                        <a:solidFill>
+                          <a:srgbClr val="000000"/>
+                        </a:solidFill>
+                        <a:effectLst/>
+                        <a:latin typeface="Calibri" panose="020F0502020204030204" pitchFamily="34" charset="0"/>
+                      </a:endParaRPr>
+                    </a:p>
+                  </a:txBody>
+                  <a:tcPr marL="6350" marR="6350" marT="6350" marB="0" anchor="b"/>
+                </a:tc>
+                <a:tc>
+                  <a:txBody>
+                    <a:bodyPr/>
+                    <a:lstStyle/>
+                    <a:p>
+                      <a:pPr algn="l" fontAlgn="t"/>
+                      <a:r>
+                        <a:rPr lang="en-GB" sz="1100" u="none" strike="noStrike">
+                          <a:effectLst/>
+                        </a:rPr>
+                        <a:t>testdatabase, based on the uml class diagramm, filled with exampledata</a:t>
+                      </a:r>
+                      <a:endParaRPr lang="en-GB" sz="1100" b="0" i="0" u="none" strike="noStrike">
+                        <a:solidFill>
+                          <a:srgbClr val="000000"/>
+                        </a:solidFill>
+                        <a:effectLst/>
+                        <a:latin typeface="Calibri" panose="020F0502020204030204" pitchFamily="34" charset="0"/>
+                      </a:endParaRPr>
+                    </a:p>
+                  </a:txBody>
+                  <a:tcPr marL="6350" marR="6350" marT="6350" marB="0"/>
+                </a:tc>
+                <a:tc>
+                  <a:txBody>
+                    <a:bodyPr/>
+                    <a:lstStyle/>
+                    <a:p>
+                      <a:pPr algn="l" fontAlgn="b"/>
+                      <a:r>
+                        <a:rPr lang="en-GB" sz="1100" u="none" strike="noStrike">
+                          <a:effectLst/>
+                        </a:rPr>
+                        <a:t>Database</a:t>
+                      </a:r>
+                      <a:endParaRPr lang="en-GB" sz="1100" b="0" i="0" u="none" strike="noStrike">
+                        <a:solidFill>
+                          <a:srgbClr val="000000"/>
+                        </a:solidFill>
+                        <a:effectLst/>
+                        <a:latin typeface="Calibri" panose="020F0502020204030204" pitchFamily="34" charset="0"/>
+                      </a:endParaRPr>
+                    </a:p>
+                  </a:txBody>
+                  <a:tcPr marL="6350" marR="6350" marT="6350" marB="0" anchor="b"/>
+                </a:tc>
+                <a:tc>
+                  <a:txBody>
+                    <a:bodyPr/>
+                    <a:lstStyle/>
+                    <a:p>
+                      <a:pPr algn="l" fontAlgn="b"/>
+                      <a:r>
+                        <a:rPr lang="en-GB" sz="1100" u="none" strike="noStrike">
+                          <a:effectLst/>
+                        </a:rPr>
+                        <a:t>dittp2</a:t>
+                      </a:r>
+                      <a:endParaRPr lang="en-GB" sz="1100" b="0" i="0" u="none" strike="noStrike">
+                        <a:solidFill>
+                          <a:srgbClr val="000000"/>
+                        </a:solidFill>
+                        <a:effectLst/>
+                        <a:latin typeface="Calibri" panose="020F0502020204030204" pitchFamily="34" charset="0"/>
+                      </a:endParaRPr>
+                    </a:p>
+                  </a:txBody>
+                  <a:tcPr marL="6350" marR="6350" marT="6350" marB="0" anchor="b"/>
+                </a:tc>
+                <a:tc>
+                  <a:txBody>
+                    <a:bodyPr/>
+                    <a:lstStyle/>
+                    <a:p>
+                      <a:pPr algn="l" fontAlgn="b"/>
+                      <a:r>
+                        <a:rPr lang="en-GB" sz="1100" u="none" strike="noStrike">
+                          <a:effectLst/>
+                        </a:rPr>
+                        <a:t>telec1</a:t>
+                      </a:r>
+                      <a:endParaRPr lang="en-GB" sz="1100" b="0" i="0" u="none" strike="noStrike">
+                        <a:solidFill>
+                          <a:srgbClr val="000000"/>
+                        </a:solidFill>
+                        <a:effectLst/>
+                        <a:latin typeface="Calibri" panose="020F0502020204030204" pitchFamily="34" charset="0"/>
+                      </a:endParaRPr>
+                    </a:p>
+                  </a:txBody>
+                  <a:tcPr marL="6350" marR="6350" marT="6350" marB="0" anchor="b"/>
+                </a:tc>
+                <a:tc>
+                  <a:txBody>
+                    <a:bodyPr/>
+                    <a:lstStyle/>
+                    <a:p>
+                      <a:pPr algn="l" fontAlgn="b"/>
+                      <a:r>
+                        <a:rPr lang="en-GB" sz="1100" u="none" strike="noStrike">
+                          <a:effectLst/>
+                        </a:rPr>
+                        <a:t>high</a:t>
+                      </a:r>
+                      <a:endParaRPr lang="en-GB" sz="1100" b="0" i="0" u="none" strike="noStrike">
+                        <a:solidFill>
+                          <a:srgbClr val="000000"/>
+                        </a:solidFill>
+                        <a:effectLst/>
+                        <a:latin typeface="Calibri" panose="020F0502020204030204" pitchFamily="34" charset="0"/>
+                      </a:endParaRPr>
+                    </a:p>
+                  </a:txBody>
+                  <a:tcPr marL="6350" marR="6350" marT="6350" marB="0" anchor="b"/>
+                </a:tc>
+                <a:tc>
+                  <a:txBody>
+                    <a:bodyPr/>
+                    <a:lstStyle/>
+                    <a:p>
+                      <a:pPr algn="r" fontAlgn="b"/>
+                      <a:r>
+                        <a:rPr lang="en-GB" sz="1100" u="none" strike="noStrike">
+                          <a:effectLst/>
+                        </a:rPr>
+                        <a:t>12</a:t>
+                      </a:r>
+                      <a:endParaRPr lang="en-GB" sz="1100" b="0" i="0" u="none" strike="noStrike">
+                        <a:solidFill>
+                          <a:srgbClr val="000000"/>
+                        </a:solidFill>
+                        <a:effectLst/>
+                        <a:latin typeface="Calibri" panose="020F0502020204030204" pitchFamily="34" charset="0"/>
+                      </a:endParaRPr>
+                    </a:p>
+                  </a:txBody>
+                  <a:tcPr marL="6350" marR="6350" marT="6350" marB="0" anchor="b"/>
+                </a:tc>
+                <a:extLst>
+                  <a:ext uri="{0D108BD9-81ED-4DB2-BD59-A6C34878D82A}">
+                    <a16:rowId xmlns:a16="http://schemas.microsoft.com/office/drawing/2014/main" val="3138682940"/>
+                  </a:ext>
+                </a:extLst>
+              </a:tr>
+              <a:tr h="294393">
+                <a:tc>
+                  <a:txBody>
+                    <a:bodyPr/>
+                    <a:lstStyle/>
+                    <a:p>
+                      <a:pPr algn="r" fontAlgn="b"/>
+                      <a:r>
+                        <a:rPr lang="en-GB" sz="1100" u="none" strike="noStrike">
+                          <a:effectLst/>
+                        </a:rPr>
+                        <a:t>1.2</a:t>
+                      </a:r>
+                      <a:endParaRPr lang="en-GB" sz="1100" b="0" i="0" u="none" strike="noStrike">
+                        <a:solidFill>
+                          <a:srgbClr val="000000"/>
+                        </a:solidFill>
+                        <a:effectLst/>
+                        <a:latin typeface="Calibri" panose="020F0502020204030204" pitchFamily="34" charset="0"/>
+                      </a:endParaRPr>
+                    </a:p>
+                  </a:txBody>
+                  <a:tcPr marL="6350" marR="6350" marT="6350" marB="0" anchor="b"/>
+                </a:tc>
+                <a:tc>
+                  <a:txBody>
+                    <a:bodyPr/>
+                    <a:lstStyle/>
+                    <a:p>
+                      <a:pPr algn="r" fontAlgn="b"/>
+                      <a:r>
+                        <a:rPr lang="en-GB" sz="1100" u="none" strike="noStrike">
+                          <a:effectLst/>
+                        </a:rPr>
+                        <a:t>1</a:t>
+                      </a:r>
+                      <a:endParaRPr lang="en-GB" sz="1100" b="0" i="0" u="none" strike="noStrike">
+                        <a:solidFill>
+                          <a:srgbClr val="000000"/>
+                        </a:solidFill>
+                        <a:effectLst/>
+                        <a:latin typeface="Calibri" panose="020F0502020204030204" pitchFamily="34" charset="0"/>
+                      </a:endParaRPr>
+                    </a:p>
+                  </a:txBody>
+                  <a:tcPr marL="6350" marR="6350" marT="6350" marB="0" anchor="b"/>
+                </a:tc>
+                <a:tc>
+                  <a:txBody>
+                    <a:bodyPr/>
+                    <a:lstStyle/>
+                    <a:p>
+                      <a:pPr algn="l" fontAlgn="b"/>
+                      <a:r>
+                        <a:rPr lang="en-GB" sz="1100" u="none" strike="noStrike">
+                          <a:effectLst/>
+                        </a:rPr>
+                        <a:t>Schedule UI</a:t>
+                      </a:r>
+                      <a:endParaRPr lang="en-GB" sz="1100" b="0" i="0" u="none" strike="noStrike">
+                        <a:solidFill>
+                          <a:srgbClr val="000000"/>
+                        </a:solidFill>
+                        <a:effectLst/>
+                        <a:latin typeface="Calibri" panose="020F0502020204030204" pitchFamily="34" charset="0"/>
+                      </a:endParaRPr>
+                    </a:p>
+                  </a:txBody>
+                  <a:tcPr marL="6350" marR="6350" marT="6350" marB="0" anchor="b"/>
+                </a:tc>
+                <a:tc>
+                  <a:txBody>
+                    <a:bodyPr/>
+                    <a:lstStyle/>
+                    <a:p>
+                      <a:pPr algn="l" fontAlgn="b"/>
+                      <a:r>
+                        <a:rPr lang="en-GB" sz="1100" u="none" strike="noStrike">
+                          <a:effectLst/>
+                        </a:rPr>
+                        <a:t>Schedule UI</a:t>
+                      </a:r>
+                      <a:endParaRPr lang="en-GB" sz="1100" b="0" i="0" u="none" strike="noStrike">
+                        <a:solidFill>
+                          <a:srgbClr val="000000"/>
+                        </a:solidFill>
+                        <a:effectLst/>
+                        <a:latin typeface="Calibri" panose="020F0502020204030204" pitchFamily="34" charset="0"/>
+                      </a:endParaRPr>
+                    </a:p>
+                  </a:txBody>
+                  <a:tcPr marL="6350" marR="6350" marT="6350" marB="0" anchor="b"/>
+                </a:tc>
+                <a:tc>
+                  <a:txBody>
+                    <a:bodyPr/>
+                    <a:lstStyle/>
+                    <a:p>
+                      <a:pPr algn="l" fontAlgn="b"/>
+                      <a:r>
+                        <a:rPr lang="en-GB" sz="1100" u="none" strike="noStrike">
+                          <a:effectLst/>
+                        </a:rPr>
+                        <a:t>UI, Controller</a:t>
+                      </a:r>
+                      <a:endParaRPr lang="en-GB" sz="1100" b="0" i="0" u="none" strike="noStrike">
+                        <a:solidFill>
+                          <a:srgbClr val="000000"/>
+                        </a:solidFill>
+                        <a:effectLst/>
+                        <a:latin typeface="Calibri" panose="020F0502020204030204" pitchFamily="34" charset="0"/>
+                      </a:endParaRPr>
+                    </a:p>
+                  </a:txBody>
+                  <a:tcPr marL="6350" marR="6350" marT="6350" marB="0" anchor="b"/>
+                </a:tc>
+                <a:tc>
+                  <a:txBody>
+                    <a:bodyPr/>
+                    <a:lstStyle/>
+                    <a:p>
+                      <a:pPr algn="l" fontAlgn="b"/>
+                      <a:r>
+                        <a:rPr lang="en-GB" sz="1100" u="none" strike="noStrike">
+                          <a:effectLst/>
+                        </a:rPr>
+                        <a:t>varan2</a:t>
+                      </a:r>
+                      <a:endParaRPr lang="en-GB" sz="1100" b="0" i="0" u="none" strike="noStrike">
+                        <a:solidFill>
+                          <a:srgbClr val="000000"/>
+                        </a:solidFill>
+                        <a:effectLst/>
+                        <a:latin typeface="Calibri" panose="020F0502020204030204" pitchFamily="34" charset="0"/>
+                      </a:endParaRPr>
+                    </a:p>
+                  </a:txBody>
+                  <a:tcPr marL="6350" marR="6350" marT="6350" marB="0" anchor="b"/>
+                </a:tc>
+                <a:tc>
+                  <a:txBody>
+                    <a:bodyPr/>
+                    <a:lstStyle/>
+                    <a:p>
+                      <a:pPr algn="l" fontAlgn="b"/>
+                      <a:r>
+                        <a:rPr lang="en-GB" sz="1100" u="none" strike="noStrike">
+                          <a:effectLst/>
+                        </a:rPr>
+                        <a:t>lamlr1</a:t>
+                      </a:r>
+                      <a:endParaRPr lang="en-GB" sz="1100" b="0" i="0" u="none" strike="noStrike">
+                        <a:solidFill>
+                          <a:srgbClr val="000000"/>
+                        </a:solidFill>
+                        <a:effectLst/>
+                        <a:latin typeface="Calibri" panose="020F0502020204030204" pitchFamily="34" charset="0"/>
+                      </a:endParaRPr>
+                    </a:p>
+                  </a:txBody>
+                  <a:tcPr marL="6350" marR="6350" marT="6350" marB="0" anchor="b"/>
+                </a:tc>
+                <a:tc>
+                  <a:txBody>
+                    <a:bodyPr/>
+                    <a:lstStyle/>
+                    <a:p>
+                      <a:pPr algn="l" fontAlgn="b"/>
+                      <a:r>
+                        <a:rPr lang="en-GB" sz="1100" u="none" strike="noStrike">
+                          <a:effectLst/>
+                        </a:rPr>
+                        <a:t>medium</a:t>
+                      </a:r>
+                      <a:endParaRPr lang="en-GB" sz="1100" b="0" i="0" u="none" strike="noStrike">
+                        <a:solidFill>
+                          <a:srgbClr val="000000"/>
+                        </a:solidFill>
+                        <a:effectLst/>
+                        <a:latin typeface="Calibri" panose="020F0502020204030204" pitchFamily="34" charset="0"/>
+                      </a:endParaRPr>
+                    </a:p>
+                  </a:txBody>
+                  <a:tcPr marL="6350" marR="6350" marT="6350" marB="0" anchor="b"/>
+                </a:tc>
+                <a:tc>
+                  <a:txBody>
+                    <a:bodyPr/>
+                    <a:lstStyle/>
+                    <a:p>
+                      <a:pPr algn="r" fontAlgn="b"/>
+                      <a:r>
+                        <a:rPr lang="en-GB" sz="1100" u="none" strike="noStrike">
+                          <a:effectLst/>
+                        </a:rPr>
+                        <a:t>12</a:t>
+                      </a:r>
+                      <a:endParaRPr lang="en-GB" sz="1100" b="0" i="0" u="none" strike="noStrike">
+                        <a:solidFill>
+                          <a:srgbClr val="000000"/>
+                        </a:solidFill>
+                        <a:effectLst/>
+                        <a:latin typeface="Calibri" panose="020F0502020204030204" pitchFamily="34" charset="0"/>
+                      </a:endParaRPr>
+                    </a:p>
+                  </a:txBody>
+                  <a:tcPr marL="6350" marR="6350" marT="6350" marB="0" anchor="b"/>
+                </a:tc>
+                <a:extLst>
+                  <a:ext uri="{0D108BD9-81ED-4DB2-BD59-A6C34878D82A}">
+                    <a16:rowId xmlns:a16="http://schemas.microsoft.com/office/drawing/2014/main" val="436577476"/>
+                  </a:ext>
+                </a:extLst>
+              </a:tr>
+              <a:tr h="294393">
+                <a:tc>
+                  <a:txBody>
+                    <a:bodyPr/>
+                    <a:lstStyle/>
+                    <a:p>
+                      <a:pPr algn="r" fontAlgn="b"/>
+                      <a:r>
+                        <a:rPr lang="en-GB" sz="1100" u="none" strike="noStrike">
+                          <a:effectLst/>
+                        </a:rPr>
+                        <a:t>1.3</a:t>
+                      </a:r>
+                      <a:endParaRPr lang="en-GB" sz="1100" b="0" i="0" u="none" strike="noStrike">
+                        <a:solidFill>
+                          <a:srgbClr val="000000"/>
+                        </a:solidFill>
+                        <a:effectLst/>
+                        <a:latin typeface="Calibri" panose="020F0502020204030204" pitchFamily="34" charset="0"/>
+                      </a:endParaRPr>
+                    </a:p>
+                  </a:txBody>
+                  <a:tcPr marL="6350" marR="6350" marT="6350" marB="0" anchor="b"/>
+                </a:tc>
+                <a:tc>
+                  <a:txBody>
+                    <a:bodyPr/>
+                    <a:lstStyle/>
+                    <a:p>
+                      <a:pPr algn="r" fontAlgn="b"/>
+                      <a:r>
+                        <a:rPr lang="en-GB" sz="1100" u="none" strike="noStrike">
+                          <a:effectLst/>
+                        </a:rPr>
+                        <a:t>1</a:t>
+                      </a:r>
+                      <a:endParaRPr lang="en-GB" sz="1100" b="0" i="0" u="none" strike="noStrike">
+                        <a:solidFill>
+                          <a:srgbClr val="000000"/>
+                        </a:solidFill>
+                        <a:effectLst/>
+                        <a:latin typeface="Calibri" panose="020F0502020204030204" pitchFamily="34" charset="0"/>
+                      </a:endParaRPr>
+                    </a:p>
+                  </a:txBody>
+                  <a:tcPr marL="6350" marR="6350" marT="6350" marB="0" anchor="b"/>
+                </a:tc>
+                <a:tc>
+                  <a:txBody>
+                    <a:bodyPr/>
+                    <a:lstStyle/>
+                    <a:p>
+                      <a:pPr algn="l" fontAlgn="b"/>
+                      <a:r>
+                        <a:rPr lang="en-GB" sz="1100" u="none" strike="noStrike">
+                          <a:effectLst/>
+                        </a:rPr>
+                        <a:t>Java Classes skeleton</a:t>
+                      </a:r>
+                      <a:endParaRPr lang="en-GB" sz="1100" b="0" i="0" u="none" strike="noStrike">
+                        <a:solidFill>
+                          <a:srgbClr val="000000"/>
+                        </a:solidFill>
+                        <a:effectLst/>
+                        <a:latin typeface="Calibri" panose="020F0502020204030204" pitchFamily="34" charset="0"/>
+                      </a:endParaRPr>
+                    </a:p>
+                  </a:txBody>
+                  <a:tcPr marL="6350" marR="6350" marT="6350" marB="0" anchor="b"/>
+                </a:tc>
+                <a:tc>
+                  <a:txBody>
+                    <a:bodyPr/>
+                    <a:lstStyle/>
+                    <a:p>
+                      <a:pPr algn="l" fontAlgn="b"/>
+                      <a:r>
+                        <a:rPr lang="en-GB" sz="1100" u="none" strike="noStrike">
+                          <a:effectLst/>
+                        </a:rPr>
+                        <a:t>Uml to Java classes</a:t>
+                      </a:r>
+                      <a:endParaRPr lang="en-GB" sz="1100" b="0" i="0" u="none" strike="noStrike">
+                        <a:solidFill>
+                          <a:srgbClr val="000000"/>
+                        </a:solidFill>
+                        <a:effectLst/>
+                        <a:latin typeface="Calibri" panose="020F0502020204030204" pitchFamily="34" charset="0"/>
+                      </a:endParaRPr>
+                    </a:p>
+                  </a:txBody>
+                  <a:tcPr marL="6350" marR="6350" marT="6350" marB="0" anchor="b"/>
+                </a:tc>
+                <a:tc>
+                  <a:txBody>
+                    <a:bodyPr/>
+                    <a:lstStyle/>
+                    <a:p>
+                      <a:pPr algn="l" fontAlgn="b"/>
+                      <a:r>
+                        <a:rPr lang="en-GB" sz="1100" u="none" strike="noStrike">
+                          <a:effectLst/>
+                        </a:rPr>
+                        <a:t>Controller, JPA Classes</a:t>
+                      </a:r>
+                      <a:endParaRPr lang="en-GB" sz="1100" b="0" i="0" u="none" strike="noStrike">
+                        <a:solidFill>
+                          <a:srgbClr val="000000"/>
+                        </a:solidFill>
+                        <a:effectLst/>
+                        <a:latin typeface="Calibri" panose="020F0502020204030204" pitchFamily="34" charset="0"/>
+                      </a:endParaRPr>
+                    </a:p>
+                  </a:txBody>
+                  <a:tcPr marL="6350" marR="6350" marT="6350" marB="0" anchor="b"/>
+                </a:tc>
+                <a:tc>
+                  <a:txBody>
+                    <a:bodyPr/>
+                    <a:lstStyle/>
+                    <a:p>
+                      <a:pPr algn="l" fontAlgn="b"/>
+                      <a:r>
+                        <a:rPr lang="en-GB" sz="1100" u="none" strike="noStrike">
+                          <a:effectLst/>
+                        </a:rPr>
+                        <a:t>jolop1</a:t>
+                      </a:r>
+                      <a:endParaRPr lang="en-GB" sz="1100" b="0" i="0" u="none" strike="noStrike">
+                        <a:solidFill>
+                          <a:srgbClr val="000000"/>
+                        </a:solidFill>
+                        <a:effectLst/>
+                        <a:latin typeface="Calibri" panose="020F0502020204030204" pitchFamily="34" charset="0"/>
+                      </a:endParaRPr>
+                    </a:p>
+                  </a:txBody>
+                  <a:tcPr marL="6350" marR="6350" marT="6350" marB="0" anchor="b"/>
+                </a:tc>
+                <a:tc>
+                  <a:txBody>
+                    <a:bodyPr/>
+                    <a:lstStyle/>
+                    <a:p>
+                      <a:pPr algn="l" fontAlgn="b"/>
+                      <a:r>
+                        <a:rPr lang="en-GB" sz="1100" u="none" strike="noStrike">
+                          <a:effectLst/>
+                        </a:rPr>
+                        <a:t>kammf1</a:t>
+                      </a:r>
+                      <a:endParaRPr lang="en-GB" sz="1100" b="0" i="0" u="none" strike="noStrike">
+                        <a:solidFill>
+                          <a:srgbClr val="000000"/>
+                        </a:solidFill>
+                        <a:effectLst/>
+                        <a:latin typeface="Calibri" panose="020F0502020204030204" pitchFamily="34" charset="0"/>
+                      </a:endParaRPr>
+                    </a:p>
+                  </a:txBody>
+                  <a:tcPr marL="6350" marR="6350" marT="6350" marB="0" anchor="b"/>
+                </a:tc>
+                <a:tc>
+                  <a:txBody>
+                    <a:bodyPr/>
+                    <a:lstStyle/>
+                    <a:p>
+                      <a:pPr algn="l" fontAlgn="b"/>
+                      <a:r>
+                        <a:rPr lang="en-GB" sz="1100" u="none" strike="noStrike">
+                          <a:effectLst/>
+                        </a:rPr>
+                        <a:t>high</a:t>
+                      </a:r>
+                      <a:endParaRPr lang="en-GB" sz="1100" b="0" i="0" u="none" strike="noStrike">
+                        <a:solidFill>
+                          <a:srgbClr val="000000"/>
+                        </a:solidFill>
+                        <a:effectLst/>
+                        <a:latin typeface="Calibri" panose="020F0502020204030204" pitchFamily="34" charset="0"/>
+                      </a:endParaRPr>
+                    </a:p>
+                  </a:txBody>
+                  <a:tcPr marL="6350" marR="6350" marT="6350" marB="0" anchor="b"/>
+                </a:tc>
+                <a:tc>
+                  <a:txBody>
+                    <a:bodyPr/>
+                    <a:lstStyle/>
+                    <a:p>
+                      <a:pPr algn="r" fontAlgn="b"/>
+                      <a:r>
+                        <a:rPr lang="en-GB" sz="1100" u="none" strike="noStrike">
+                          <a:effectLst/>
+                        </a:rPr>
+                        <a:t>6</a:t>
+                      </a:r>
+                      <a:endParaRPr lang="en-GB" sz="1100" b="0" i="0" u="none" strike="noStrike">
+                        <a:solidFill>
+                          <a:srgbClr val="000000"/>
+                        </a:solidFill>
+                        <a:effectLst/>
+                        <a:latin typeface="Calibri" panose="020F0502020204030204" pitchFamily="34" charset="0"/>
+                      </a:endParaRPr>
+                    </a:p>
+                  </a:txBody>
+                  <a:tcPr marL="6350" marR="6350" marT="6350" marB="0" anchor="b"/>
+                </a:tc>
+                <a:extLst>
+                  <a:ext uri="{0D108BD9-81ED-4DB2-BD59-A6C34878D82A}">
+                    <a16:rowId xmlns:a16="http://schemas.microsoft.com/office/drawing/2014/main" val="3884352886"/>
+                  </a:ext>
+                </a:extLst>
+              </a:tr>
+              <a:tr h="294393">
+                <a:tc>
+                  <a:txBody>
+                    <a:bodyPr/>
+                    <a:lstStyle/>
+                    <a:p>
+                      <a:pPr algn="r" fontAlgn="b"/>
+                      <a:r>
+                        <a:rPr lang="en-GB" sz="1100" u="none" strike="noStrike">
+                          <a:effectLst/>
+                        </a:rPr>
+                        <a:t>1.4</a:t>
+                      </a:r>
+                      <a:endParaRPr lang="en-GB" sz="1100" b="0" i="0" u="none" strike="noStrike">
+                        <a:solidFill>
+                          <a:srgbClr val="000000"/>
+                        </a:solidFill>
+                        <a:effectLst/>
+                        <a:latin typeface="Calibri" panose="020F0502020204030204" pitchFamily="34" charset="0"/>
+                      </a:endParaRPr>
+                    </a:p>
+                  </a:txBody>
+                  <a:tcPr marL="6350" marR="6350" marT="6350" marB="0" anchor="b"/>
+                </a:tc>
+                <a:tc>
+                  <a:txBody>
+                    <a:bodyPr/>
+                    <a:lstStyle/>
+                    <a:p>
+                      <a:pPr algn="r" fontAlgn="b"/>
+                      <a:r>
+                        <a:rPr lang="en-GB" sz="1100" u="none" strike="noStrike">
+                          <a:effectLst/>
+                        </a:rPr>
+                        <a:t>1</a:t>
+                      </a:r>
+                      <a:endParaRPr lang="en-GB" sz="1100" b="0" i="0" u="none" strike="noStrike">
+                        <a:solidFill>
+                          <a:srgbClr val="000000"/>
+                        </a:solidFill>
+                        <a:effectLst/>
+                        <a:latin typeface="Calibri" panose="020F0502020204030204" pitchFamily="34" charset="0"/>
+                      </a:endParaRPr>
+                    </a:p>
+                  </a:txBody>
+                  <a:tcPr marL="6350" marR="6350" marT="6350" marB="0" anchor="b"/>
+                </a:tc>
+                <a:tc>
+                  <a:txBody>
+                    <a:bodyPr/>
+                    <a:lstStyle/>
+                    <a:p>
+                      <a:pPr algn="l" fontAlgn="b"/>
+                      <a:r>
+                        <a:rPr lang="en-GB" sz="1100" u="none" strike="noStrike">
+                          <a:effectLst/>
+                        </a:rPr>
+                        <a:t>Associations</a:t>
+                      </a:r>
+                      <a:endParaRPr lang="en-GB" sz="1100" b="0" i="0" u="none" strike="noStrike">
+                        <a:solidFill>
+                          <a:srgbClr val="000000"/>
+                        </a:solidFill>
+                        <a:effectLst/>
+                        <a:latin typeface="Calibri" panose="020F0502020204030204" pitchFamily="34" charset="0"/>
+                      </a:endParaRPr>
+                    </a:p>
+                  </a:txBody>
+                  <a:tcPr marL="6350" marR="6350" marT="6350" marB="0" anchor="b"/>
+                </a:tc>
+                <a:tc>
+                  <a:txBody>
+                    <a:bodyPr/>
+                    <a:lstStyle/>
+                    <a:p>
+                      <a:pPr algn="l" fontAlgn="b"/>
+                      <a:r>
+                        <a:rPr lang="en-GB" sz="1100" u="none" strike="noStrike">
+                          <a:effectLst/>
+                        </a:rPr>
+                        <a:t>Implementing Associations</a:t>
+                      </a:r>
+                      <a:endParaRPr lang="en-GB" sz="1100" b="0" i="0" u="none" strike="noStrike">
+                        <a:solidFill>
+                          <a:srgbClr val="000000"/>
+                        </a:solidFill>
+                        <a:effectLst/>
+                        <a:latin typeface="Calibri" panose="020F0502020204030204" pitchFamily="34" charset="0"/>
+                      </a:endParaRPr>
+                    </a:p>
+                  </a:txBody>
+                  <a:tcPr marL="6350" marR="6350" marT="6350" marB="0" anchor="b"/>
+                </a:tc>
+                <a:tc>
+                  <a:txBody>
+                    <a:bodyPr/>
+                    <a:lstStyle/>
+                    <a:p>
+                      <a:pPr algn="l" fontAlgn="b"/>
+                      <a:r>
+                        <a:rPr lang="en-GB" sz="1100" u="none" strike="noStrike">
+                          <a:effectLst/>
+                        </a:rPr>
+                        <a:t>Controller, JPA Classes</a:t>
+                      </a:r>
+                      <a:endParaRPr lang="en-GB" sz="1100" b="0" i="0" u="none" strike="noStrike">
+                        <a:solidFill>
+                          <a:srgbClr val="000000"/>
+                        </a:solidFill>
+                        <a:effectLst/>
+                        <a:latin typeface="Calibri" panose="020F0502020204030204" pitchFamily="34" charset="0"/>
+                      </a:endParaRPr>
+                    </a:p>
+                  </a:txBody>
+                  <a:tcPr marL="6350" marR="6350" marT="6350" marB="0" anchor="b"/>
+                </a:tc>
+                <a:tc>
+                  <a:txBody>
+                    <a:bodyPr/>
+                    <a:lstStyle/>
+                    <a:p>
+                      <a:pPr algn="l" fontAlgn="b"/>
+                      <a:r>
+                        <a:rPr lang="en-GB" sz="1100" u="none" strike="noStrike">
+                          <a:effectLst/>
+                        </a:rPr>
+                        <a:t>sevib1</a:t>
+                      </a:r>
+                      <a:endParaRPr lang="en-GB" sz="1100" b="0" i="0" u="none" strike="noStrike">
+                        <a:solidFill>
+                          <a:srgbClr val="000000"/>
+                        </a:solidFill>
+                        <a:effectLst/>
+                        <a:latin typeface="Calibri" panose="020F0502020204030204" pitchFamily="34" charset="0"/>
+                      </a:endParaRPr>
+                    </a:p>
+                  </a:txBody>
+                  <a:tcPr marL="6350" marR="6350" marT="6350" marB="0" anchor="b"/>
+                </a:tc>
+                <a:tc>
+                  <a:txBody>
+                    <a:bodyPr/>
+                    <a:lstStyle/>
+                    <a:p>
+                      <a:pPr algn="l" fontAlgn="b"/>
+                      <a:r>
+                        <a:rPr lang="en-GB" sz="1100" u="none" strike="noStrike">
+                          <a:effectLst/>
+                        </a:rPr>
+                        <a:t>lamlr1</a:t>
+                      </a:r>
+                      <a:endParaRPr lang="en-GB" sz="1100" b="0" i="0" u="none" strike="noStrike">
+                        <a:solidFill>
+                          <a:srgbClr val="000000"/>
+                        </a:solidFill>
+                        <a:effectLst/>
+                        <a:latin typeface="Calibri" panose="020F0502020204030204" pitchFamily="34" charset="0"/>
+                      </a:endParaRPr>
+                    </a:p>
+                  </a:txBody>
+                  <a:tcPr marL="6350" marR="6350" marT="6350" marB="0" anchor="b"/>
+                </a:tc>
+                <a:tc>
+                  <a:txBody>
+                    <a:bodyPr/>
+                    <a:lstStyle/>
+                    <a:p>
+                      <a:pPr algn="l" fontAlgn="b"/>
+                      <a:r>
+                        <a:rPr lang="en-GB" sz="1100" u="none" strike="noStrike">
+                          <a:effectLst/>
+                        </a:rPr>
+                        <a:t>high</a:t>
+                      </a:r>
+                      <a:endParaRPr lang="en-GB" sz="1100" b="0" i="0" u="none" strike="noStrike">
+                        <a:solidFill>
+                          <a:srgbClr val="000000"/>
+                        </a:solidFill>
+                        <a:effectLst/>
+                        <a:latin typeface="Calibri" panose="020F0502020204030204" pitchFamily="34" charset="0"/>
+                      </a:endParaRPr>
+                    </a:p>
+                  </a:txBody>
+                  <a:tcPr marL="6350" marR="6350" marT="6350" marB="0" anchor="b"/>
+                </a:tc>
+                <a:tc>
+                  <a:txBody>
+                    <a:bodyPr/>
+                    <a:lstStyle/>
+                    <a:p>
+                      <a:pPr algn="r" fontAlgn="b"/>
+                      <a:r>
+                        <a:rPr lang="en-GB" sz="1100" u="none" strike="noStrike">
+                          <a:effectLst/>
+                        </a:rPr>
+                        <a:t>6</a:t>
+                      </a:r>
+                      <a:endParaRPr lang="en-GB" sz="1100" b="0" i="0" u="none" strike="noStrike">
+                        <a:solidFill>
+                          <a:srgbClr val="000000"/>
+                        </a:solidFill>
+                        <a:effectLst/>
+                        <a:latin typeface="Calibri" panose="020F0502020204030204" pitchFamily="34" charset="0"/>
+                      </a:endParaRPr>
+                    </a:p>
+                  </a:txBody>
+                  <a:tcPr marL="6350" marR="6350" marT="6350" marB="0" anchor="b"/>
+                </a:tc>
+                <a:extLst>
+                  <a:ext uri="{0D108BD9-81ED-4DB2-BD59-A6C34878D82A}">
+                    <a16:rowId xmlns:a16="http://schemas.microsoft.com/office/drawing/2014/main" val="823222787"/>
+                  </a:ext>
+                </a:extLst>
+              </a:tr>
+              <a:tr h="294393">
+                <a:tc>
+                  <a:txBody>
+                    <a:bodyPr/>
+                    <a:lstStyle/>
+                    <a:p>
+                      <a:pPr algn="r" fontAlgn="b"/>
+                      <a:r>
+                        <a:rPr lang="en-GB" sz="1100" u="none" strike="noStrike">
+                          <a:effectLst/>
+                        </a:rPr>
+                        <a:t>1.5</a:t>
+                      </a:r>
+                      <a:endParaRPr lang="en-GB" sz="1100" b="0" i="0" u="none" strike="noStrike">
+                        <a:solidFill>
+                          <a:srgbClr val="000000"/>
+                        </a:solidFill>
+                        <a:effectLst/>
+                        <a:latin typeface="Calibri" panose="020F0502020204030204" pitchFamily="34" charset="0"/>
+                      </a:endParaRPr>
+                    </a:p>
+                  </a:txBody>
+                  <a:tcPr marL="6350" marR="6350" marT="6350" marB="0" anchor="b"/>
+                </a:tc>
+                <a:tc>
+                  <a:txBody>
+                    <a:bodyPr/>
+                    <a:lstStyle/>
+                    <a:p>
+                      <a:pPr algn="r" fontAlgn="b"/>
+                      <a:r>
+                        <a:rPr lang="en-GB" sz="1100" u="none" strike="noStrike">
+                          <a:effectLst/>
+                        </a:rPr>
+                        <a:t>1</a:t>
+                      </a:r>
+                      <a:endParaRPr lang="en-GB" sz="1100" b="0" i="0" u="none" strike="noStrike">
+                        <a:solidFill>
+                          <a:srgbClr val="000000"/>
+                        </a:solidFill>
+                        <a:effectLst/>
+                        <a:latin typeface="Calibri" panose="020F0502020204030204" pitchFamily="34" charset="0"/>
+                      </a:endParaRPr>
+                    </a:p>
+                  </a:txBody>
+                  <a:tcPr marL="6350" marR="6350" marT="6350" marB="0" anchor="b"/>
+                </a:tc>
+                <a:tc>
+                  <a:txBody>
+                    <a:bodyPr/>
+                    <a:lstStyle/>
+                    <a:p>
+                      <a:pPr algn="l" fontAlgn="b"/>
+                      <a:r>
+                        <a:rPr lang="en-GB" sz="1100" u="none" strike="noStrike">
+                          <a:effectLst/>
+                        </a:rPr>
+                        <a:t>Getter methods</a:t>
+                      </a:r>
+                      <a:endParaRPr lang="en-GB" sz="1100" b="0" i="0" u="none" strike="noStrike">
+                        <a:solidFill>
+                          <a:srgbClr val="000000"/>
+                        </a:solidFill>
+                        <a:effectLst/>
+                        <a:latin typeface="Calibri" panose="020F0502020204030204" pitchFamily="34" charset="0"/>
+                      </a:endParaRPr>
+                    </a:p>
+                  </a:txBody>
+                  <a:tcPr marL="6350" marR="6350" marT="6350" marB="0" anchor="b"/>
+                </a:tc>
+                <a:tc>
+                  <a:txBody>
+                    <a:bodyPr/>
+                    <a:lstStyle/>
+                    <a:p>
+                      <a:pPr algn="l" fontAlgn="b"/>
+                      <a:r>
+                        <a:rPr lang="en-GB" sz="1100" u="none" strike="noStrike">
+                          <a:effectLst/>
+                        </a:rPr>
+                        <a:t>JDBC - connector between DB and JVM</a:t>
+                      </a:r>
+                      <a:endParaRPr lang="en-GB" sz="1100" b="0" i="0" u="none" strike="noStrike">
+                        <a:solidFill>
+                          <a:srgbClr val="000000"/>
+                        </a:solidFill>
+                        <a:effectLst/>
+                        <a:latin typeface="Calibri" panose="020F0502020204030204" pitchFamily="34" charset="0"/>
+                      </a:endParaRPr>
+                    </a:p>
+                  </a:txBody>
+                  <a:tcPr marL="6350" marR="6350" marT="6350" marB="0" anchor="b"/>
+                </a:tc>
+                <a:tc>
+                  <a:txBody>
+                    <a:bodyPr/>
+                    <a:lstStyle/>
+                    <a:p>
+                      <a:pPr algn="l" fontAlgn="b"/>
+                      <a:r>
+                        <a:rPr lang="en-GB" sz="1100" u="none" strike="noStrike">
+                          <a:effectLst/>
+                        </a:rPr>
+                        <a:t>JPA Classes, Database</a:t>
+                      </a:r>
+                      <a:endParaRPr lang="en-GB" sz="1100" b="0" i="0" u="none" strike="noStrike">
+                        <a:solidFill>
+                          <a:srgbClr val="000000"/>
+                        </a:solidFill>
+                        <a:effectLst/>
+                        <a:latin typeface="Calibri" panose="020F0502020204030204" pitchFamily="34" charset="0"/>
+                      </a:endParaRPr>
+                    </a:p>
+                  </a:txBody>
+                  <a:tcPr marL="6350" marR="6350" marT="6350" marB="0" anchor="b"/>
+                </a:tc>
+                <a:tc>
+                  <a:txBody>
+                    <a:bodyPr/>
+                    <a:lstStyle/>
+                    <a:p>
+                      <a:pPr algn="l" fontAlgn="b"/>
+                      <a:r>
+                        <a:rPr lang="en-GB" sz="1100" u="none" strike="noStrike">
+                          <a:effectLst/>
+                        </a:rPr>
+                        <a:t>kammf1</a:t>
+                      </a:r>
+                      <a:endParaRPr lang="en-GB" sz="1100" b="0" i="0" u="none" strike="noStrike">
+                        <a:solidFill>
+                          <a:srgbClr val="000000"/>
+                        </a:solidFill>
+                        <a:effectLst/>
+                        <a:latin typeface="Calibri" panose="020F0502020204030204" pitchFamily="34" charset="0"/>
+                      </a:endParaRPr>
+                    </a:p>
+                  </a:txBody>
+                  <a:tcPr marL="6350" marR="6350" marT="6350" marB="0" anchor="b"/>
+                </a:tc>
+                <a:tc>
+                  <a:txBody>
+                    <a:bodyPr/>
+                    <a:lstStyle/>
+                    <a:p>
+                      <a:pPr algn="l" fontAlgn="b"/>
+                      <a:r>
+                        <a:rPr lang="en-GB" sz="1100" u="none" strike="noStrike">
+                          <a:effectLst/>
+                        </a:rPr>
+                        <a:t>sevib1</a:t>
+                      </a:r>
+                      <a:endParaRPr lang="en-GB" sz="1100" b="0" i="0" u="none" strike="noStrike">
+                        <a:solidFill>
+                          <a:srgbClr val="000000"/>
+                        </a:solidFill>
+                        <a:effectLst/>
+                        <a:latin typeface="Calibri" panose="020F0502020204030204" pitchFamily="34" charset="0"/>
+                      </a:endParaRPr>
+                    </a:p>
+                  </a:txBody>
+                  <a:tcPr marL="6350" marR="6350" marT="6350" marB="0" anchor="b"/>
+                </a:tc>
+                <a:tc>
+                  <a:txBody>
+                    <a:bodyPr/>
+                    <a:lstStyle/>
+                    <a:p>
+                      <a:pPr algn="l" fontAlgn="b"/>
+                      <a:r>
+                        <a:rPr lang="en-GB" sz="1100" u="none" strike="noStrike">
+                          <a:effectLst/>
+                        </a:rPr>
+                        <a:t>low</a:t>
+                      </a:r>
+                      <a:endParaRPr lang="en-GB" sz="1100" b="0" i="0" u="none" strike="noStrike">
+                        <a:solidFill>
+                          <a:srgbClr val="000000"/>
+                        </a:solidFill>
+                        <a:effectLst/>
+                        <a:latin typeface="Calibri" panose="020F0502020204030204" pitchFamily="34" charset="0"/>
+                      </a:endParaRPr>
+                    </a:p>
+                  </a:txBody>
+                  <a:tcPr marL="6350" marR="6350" marT="6350" marB="0" anchor="b"/>
+                </a:tc>
+                <a:tc>
+                  <a:txBody>
+                    <a:bodyPr/>
+                    <a:lstStyle/>
+                    <a:p>
+                      <a:pPr algn="r" fontAlgn="b"/>
+                      <a:r>
+                        <a:rPr lang="en-GB" sz="1100" u="none" strike="noStrike" dirty="0">
+                          <a:effectLst/>
+                        </a:rPr>
+                        <a:t>6</a:t>
+                      </a:r>
+                      <a:endParaRPr lang="en-GB" sz="1100" b="0" i="0" u="none" strike="noStrike" dirty="0">
+                        <a:solidFill>
+                          <a:srgbClr val="000000"/>
+                        </a:solidFill>
+                        <a:effectLst/>
+                        <a:latin typeface="Calibri" panose="020F0502020204030204" pitchFamily="34" charset="0"/>
+                      </a:endParaRPr>
+                    </a:p>
+                  </a:txBody>
+                  <a:tcPr marL="6350" marR="6350" marT="6350" marB="0" anchor="b"/>
+                </a:tc>
+                <a:extLst>
+                  <a:ext uri="{0D108BD9-81ED-4DB2-BD59-A6C34878D82A}">
+                    <a16:rowId xmlns:a16="http://schemas.microsoft.com/office/drawing/2014/main" val="3252996745"/>
+                  </a:ext>
+                </a:extLst>
+              </a:tr>
+            </a:tbl>
+          </a:graphicData>
+        </a:graphic>
+      </p:graphicFrame>
+      <p:sp>
+        <p:nvSpPr>
+          <p:cNvPr id="7" name="TextBox 6"/>
+          <p:cNvSpPr txBox="1"/>
+          <p:nvPr/>
+        </p:nvSpPr>
+        <p:spPr>
           <a:xfrm>
-            <a:off x="457200" y="1839913"/>
-            <a:ext cx="7019925" cy="533400"/>
+            <a:off x="10814050" y="4516439"/>
+            <a:ext cx="1289050" cy="461665"/>
           </a:xfrm>
+          <a:prstGeom prst="rect">
+            <a:avLst/>
+          </a:prstGeom>
           <a:noFill/>
-          <a:extLst>
-            <a:ext uri="{909E8E84-426E-40dd-AFC4-6F175D3DCCD1}">
-              <a14:hiddenFill xmlns:a14="http://schemas.microsoft.com/office/drawing/2010/main" xmlns="">
-                <a:solidFill>
-                  <a:srgbClr val="FFFFFF"/>
-                </a:solidFill>
-              </a14:hiddenFill>
-            </a:ext>
-            <a:ext uri="{91240B29-F687-4f45-9708-019B960494DF}">
-              <a14:hiddenLine xmlns:a14="http://schemas.microsoft.com/office/drawing/2010/main" xmlns="" w="9525">
-                <a:solidFill>
-                  <a:srgbClr val="000000"/>
-                </a:solidFill>
-                <a:miter lim="800000"/>
-                <a:headEnd/>
-                <a:tailEnd/>
-              </a14:hiddenLine>
-            </a:ext>
-          </a:extLst>
         </p:spPr>
         <p:txBody>
-          <a:bodyPr vert="horz" wrap="square" tIns="45720" bIns="45720" numCol="1" anchor="t" anchorCtr="0" compatLnSpc="1">
-            <a:prstTxWarp prst="textNoShape">
-              <a:avLst/>
-            </a:prstTxWarp>
+          <a:bodyPr wrap="square" rtlCol="0">
+            <a:spAutoFit/>
           </a:bodyPr>
           <a:lstStyle/>
           <a:p>
-            <a:pPr eaLnBrk="1" hangingPunct="1"/>
-            <a:r>
-              <a:rPr lang="de-CH" dirty="0">
-                <a:latin typeface="Lucida Sans" pitchFamily="34" charset="0"/>
-                <a:cs typeface="Lucida Sans Unicode" pitchFamily="34" charset="0"/>
-              </a:rPr>
-              <a:t>Danke für Ihre Aufmerksamkeit</a:t>
+            <a:r>
+              <a:rPr lang="en-GB" dirty="0"/>
+              <a:t>Tot. 42</a:t>
             </a:r>
           </a:p>
         </p:txBody>
       </p:sp>
       <p:sp>
         <p:nvSpPr>
-          <p:cNvPr id="8195" name="Untertitel 2"/>
+          <p:cNvPr id="8" name="TextBox 7"/>
+          <p:cNvSpPr txBox="1"/>
+          <p:nvPr/>
+        </p:nvSpPr>
+        <p:spPr>
+          <a:xfrm>
+            <a:off x="330201" y="4560888"/>
+            <a:ext cx="2952750" cy="461665"/>
+          </a:xfrm>
+          <a:prstGeom prst="rect">
+            <a:avLst/>
+          </a:prstGeom>
+          <a:noFill/>
+        </p:spPr>
+        <p:txBody>
+          <a:bodyPr wrap="square" rtlCol="0">
+            <a:spAutoFit/>
+          </a:bodyPr>
+          <a:lstStyle/>
+          <a:p>
+            <a:r>
+              <a:rPr lang="en-GB" dirty="0"/>
+              <a:t>Sprint of 2 weeks</a:t>
+            </a:r>
+          </a:p>
+        </p:txBody>
+      </p:sp>
+    </p:spTree>
+    <p:extLst>
+      <p:ext uri="{BB962C8B-B14F-4D97-AF65-F5344CB8AC3E}">
+        <p14:creationId xmlns:p14="http://schemas.microsoft.com/office/powerpoint/2010/main" val="1390644615"/>
+      </p:ext>
+    </p:extLst>
+  </p:cSld>
+  <p:clrMapOvr>
+    <a:masterClrMapping/>
+  </p:clrMapOvr>
+</p:sld>
+</file>
+
+<file path=ppt/slides/slide9.xml><?xml version="1.0" encoding="utf-8"?>
+<p:sld xmlns:a="http://schemas.openxmlformats.org/drawingml/2006/main" xmlns:r="http://schemas.openxmlformats.org/officeDocument/2006/relationships" xmlns:p="http://schemas.openxmlformats.org/presentationml/2006/main">
+  <p:cSld>
+    <p:spTree>
+      <p:nvGrpSpPr>
+        <p:cNvPr id="1" name=""/>
+        <p:cNvGrpSpPr/>
+        <p:nvPr/>
+      </p:nvGrpSpPr>
+      <p:grpSpPr>
+        <a:xfrm>
+          <a:off x="0" y="0"/>
+          <a:ext cx="0" cy="0"/>
+          <a:chOff x="0" y="0"/>
+          <a:chExt cx="0" cy="0"/>
+        </a:xfrm>
+      </p:grpSpPr>
+      <p:sp>
+        <p:nvSpPr>
+          <p:cNvPr id="2" name="Content Placeholder 1"/>
           <p:cNvSpPr>
             <a:spLocks noGrp="1"/>
           </p:cNvSpPr>
           <p:nvPr>
-            <p:ph type="subTitle" idx="1"/>
+            <p:ph sz="half" idx="1"/>
           </p:nvPr>
         </p:nvSpPr>
-        <p:spPr bwMode="auto">
-          <a:xfrm>
-            <a:off x="457200" y="2447925"/>
-            <a:ext cx="7019925" cy="804863"/>
-          </a:xfrm>
-          <a:noFill/>
-          <a:extLst>
-            <a:ext uri="{909E8E84-426E-40dd-AFC4-6F175D3DCCD1}">
-              <a14:hiddenFill xmlns:a14="http://schemas.microsoft.com/office/drawing/2010/main" xmlns="">
-                <a:solidFill>
-                  <a:srgbClr val="FFFFFF"/>
-                </a:solidFill>
-              </a14:hiddenFill>
-            </a:ext>
-            <a:ext uri="{91240B29-F687-4f45-9708-019B960494DF}">
-              <a14:hiddenLine xmlns:a14="http://schemas.microsoft.com/office/drawing/2010/main" xmlns="" w="9525">
-                <a:solidFill>
-                  <a:srgbClr val="000000"/>
-                </a:solidFill>
-                <a:miter lim="800000"/>
-                <a:headEnd/>
-                <a:tailEnd/>
-              </a14:hiddenLine>
-            </a:ext>
-          </a:extLst>
-        </p:spPr>
+        <p:spPr/>
         <p:txBody>
-          <a:bodyPr vert="horz" wrap="square" tIns="45720" rIns="91440" bIns="45720" numCol="1" anchor="t" anchorCtr="0" compatLnSpc="1">
-            <a:prstTxWarp prst="textNoShape">
-              <a:avLst/>
-            </a:prstTxWarp>
-          </a:bodyPr>
+          <a:bodyPr/>
           <a:lstStyle/>
           <a:p>
-            <a:pPr eaLnBrk="1" hangingPunct="1"/>
-            <a:endParaRPr lang="de-CH">
-              <a:latin typeface="Lucida Sans" pitchFamily="34" charset="0"/>
-              <a:cs typeface="Lucida Sans Unicode" pitchFamily="34" charset="0"/>
-            </a:endParaRPr>
+            <a:r>
+              <a:rPr lang="en-GB" dirty="0"/>
+              <a:t>Sprint planning</a:t>
+            </a:r>
+          </a:p>
+          <a:p>
+            <a:pPr lvl="1"/>
+            <a:r>
+              <a:rPr lang="en-GB" dirty="0"/>
+              <a:t>What is possible?</a:t>
+            </a:r>
+          </a:p>
+          <a:p>
+            <a:pPr lvl="1"/>
+            <a:r>
+              <a:rPr lang="en-GB" dirty="0"/>
+              <a:t>How should it be </a:t>
+            </a:r>
+            <a:r>
+              <a:rPr lang="en-GB"/>
+              <a:t>done?</a:t>
+            </a:r>
+            <a:br>
+              <a:rPr lang="en-GB"/>
+            </a:br>
+            <a:endParaRPr lang="en-GB" dirty="0"/>
+          </a:p>
+          <a:p>
+            <a:r>
+              <a:rPr lang="en-GB" dirty="0"/>
+              <a:t>Daily Scrum = twice a week à 10-15 min.</a:t>
+            </a:r>
+          </a:p>
+          <a:p>
+            <a:pPr lvl="1"/>
+            <a:r>
+              <a:rPr lang="en-GB" dirty="0"/>
+              <a:t>Sprint 1: 4 daily scrums</a:t>
+            </a:r>
+            <a:br>
+              <a:rPr lang="en-GB" dirty="0"/>
+            </a:br>
+            <a:endParaRPr lang="en-GB" dirty="0"/>
+          </a:p>
+          <a:p>
+            <a:r>
+              <a:rPr lang="en-GB" dirty="0"/>
+              <a:t>Sprint review (with scrum-owner)</a:t>
+            </a:r>
+          </a:p>
+          <a:p>
+            <a:pPr lvl="1"/>
+            <a:r>
+              <a:rPr lang="en-GB" dirty="0"/>
+              <a:t>Retrospective (intern)</a:t>
+            </a:r>
+          </a:p>
+        </p:txBody>
+      </p:sp>
+      <p:sp>
+        <p:nvSpPr>
+          <p:cNvPr id="3" name="Title 2"/>
+          <p:cNvSpPr>
+            <a:spLocks noGrp="1"/>
+          </p:cNvSpPr>
+          <p:nvPr>
+            <p:ph type="ctrTitle"/>
+          </p:nvPr>
+        </p:nvSpPr>
+        <p:spPr/>
+        <p:txBody>
+          <a:bodyPr/>
+          <a:lstStyle/>
+          <a:p>
+            <a:r>
+              <a:rPr lang="en-GB" dirty="0"/>
+              <a:t>Scrum, Activities</a:t>
+            </a:r>
           </a:p>
         </p:txBody>
       </p:sp>
     </p:spTree>
+    <p:extLst>
+      <p:ext uri="{BB962C8B-B14F-4D97-AF65-F5344CB8AC3E}">
+        <p14:creationId xmlns:p14="http://schemas.microsoft.com/office/powerpoint/2010/main" val="3464442086"/>
+      </p:ext>
+    </p:extLst>
   </p:cSld>
   <p:clrMapOvr>
     <a:masterClrMapping/>
@@ -8373,13 +11644,12 @@
 </file>
 
 <file path=customXml/item1.xml><?xml version="1.0" encoding="utf-8"?>
-<p:properties xmlns:p="http://schemas.microsoft.com/office/2006/metadata/properties" xmlns:xsi="http://www.w3.org/2001/XMLSchema-instance">
-  <documentManagement>
-    <Betriebsystem xmlns="238ac175-5152-443e-bf42-417a27926292">Windows/Mac</Betriebsystem>
-    <Office_x002d_Version xmlns="238ac175-5152-443e-bf42-417a27926292">Office 2010/2011</Office_x002d_Version>
-    <Kategorie xmlns="238ac175-5152-443e-bf42-417a27926292">Powerpoint</Kategorie>
-  </documentManagement>
-</p:properties>
+<?mso-contentType ?>
+<FormTemplates xmlns="http://schemas.microsoft.com/sharepoint/v3/contenttype/forms">
+  <Display>DocumentLibraryForm</Display>
+  <Edit>DocumentLibraryForm</Edit>
+  <New>DocumentLibraryForm</New>
+</FormTemplates>
 </file>
 
 <file path=customXml/item2.xml><?xml version="1.0" encoding="utf-8"?>
@@ -8469,25 +11739,19 @@
 </file>
 
 <file path=customXml/item3.xml><?xml version="1.0" encoding="utf-8"?>
-<?mso-contentType ?>
-<FormTemplates xmlns="http://schemas.microsoft.com/sharepoint/v3/contenttype/forms">
-  <Display>DocumentLibraryForm</Display>
-  <Edit>DocumentLibraryForm</Edit>
-  <New>DocumentLibraryForm</New>
-</FormTemplates>
+<p:properties xmlns:p="http://schemas.microsoft.com/office/2006/metadata/properties" xmlns:xsi="http://www.w3.org/2001/XMLSchema-instance">
+  <documentManagement>
+    <Betriebsystem xmlns="238ac175-5152-443e-bf42-417a27926292">Windows/Mac</Betriebsystem>
+    <Office_x002d_Version xmlns="238ac175-5152-443e-bf42-417a27926292">Office 2010/2011</Office_x002d_Version>
+    <Kategorie xmlns="238ac175-5152-443e-bf42-417a27926292">Powerpoint</Kategorie>
+  </documentManagement>
+</p:properties>
 </file>
 
 <file path=customXml/itemProps1.xml><?xml version="1.0" encoding="utf-8"?>
-<ds:datastoreItem xmlns:ds="http://schemas.openxmlformats.org/officeDocument/2006/customXml" ds:itemID="{F09E12DB-F876-4C59-A411-726D3126721E}">
+<ds:datastoreItem xmlns:ds="http://schemas.openxmlformats.org/officeDocument/2006/customXml" ds:itemID="{9CE40E7B-A2C7-4778-9F2A-6D23000DC7D5}">
   <ds:schemaRefs>
-    <ds:schemaRef ds:uri="http://schemas.microsoft.com/office/2006/documentManagement/types"/>
-    <ds:schemaRef ds:uri="http://www.w3.org/XML/1998/namespace"/>
-    <ds:schemaRef ds:uri="http://schemas.openxmlformats.org/package/2006/metadata/core-properties"/>
-    <ds:schemaRef ds:uri="http://purl.org/dc/elements/1.1/"/>
-    <ds:schemaRef ds:uri="http://purl.org/dc/dcmitype/"/>
-    <ds:schemaRef ds:uri="http://purl.org/dc/terms/"/>
-    <ds:schemaRef ds:uri="238ac175-5152-443e-bf42-417a27926292"/>
-    <ds:schemaRef ds:uri="http://schemas.microsoft.com/office/2006/metadata/properties"/>
+    <ds:schemaRef ds:uri="http://schemas.microsoft.com/sharepoint/v3/contenttype/forms"/>
   </ds:schemaRefs>
 </ds:datastoreItem>
 </file>
@@ -8510,9 +11774,16 @@
 </file>
 
 <file path=customXml/itemProps3.xml><?xml version="1.0" encoding="utf-8"?>
-<ds:datastoreItem xmlns:ds="http://schemas.openxmlformats.org/officeDocument/2006/customXml" ds:itemID="{9CE40E7B-A2C7-4778-9F2A-6D23000DC7D5}">
+<ds:datastoreItem xmlns:ds="http://schemas.openxmlformats.org/officeDocument/2006/customXml" ds:itemID="{F09E12DB-F876-4C59-A411-726D3126721E}">
   <ds:schemaRefs>
-    <ds:schemaRef ds:uri="http://schemas.microsoft.com/sharepoint/v3/contenttype/forms"/>
+    <ds:schemaRef ds:uri="http://purl.org/dc/elements/1.1/"/>
+    <ds:schemaRef ds:uri="238ac175-5152-443e-bf42-417a27926292"/>
+    <ds:schemaRef ds:uri="http://purl.org/dc/terms/"/>
+    <ds:schemaRef ds:uri="http://schemas.microsoft.com/office/2006/metadata/properties"/>
+    <ds:schemaRef ds:uri="http://schemas.microsoft.com/office/2006/documentManagement/types"/>
+    <ds:schemaRef ds:uri="http://schemas.openxmlformats.org/package/2006/metadata/core-properties"/>
+    <ds:schemaRef ds:uri="http://www.w3.org/XML/1998/namespace"/>
+    <ds:schemaRef ds:uri="http://purl.org/dc/dcmitype/"/>
   </ds:schemaRefs>
 </ds:datastoreItem>
 </file>